--- a/make_presentation/templates/templates/classic/_27.pptx
+++ b/make_presentation/templates/templates/classic/_27.pptx
@@ -318,7 +318,7 @@
             <a:pPr algn="r">
               <a:buNone/>
             </a:pPr>
-            <a:fld id="{857B7E42-B7F9-4BB5-9600-3AA53D6E3495}" type="slidenum">
+            <a:fld id="{A997A401-368A-485E-8D73-2924FCD52D20}" type="slidenum">
               <a:rPr b="0" lang="en-US" sz="1400" spc="-1" strike="noStrike">
                 <a:latin typeface="Times New Roman"/>
               </a:rPr>
@@ -366,7 +366,7 @@
         <p:spPr>
           <a:xfrm>
             <a:off x="380880" y="685800"/>
-            <a:ext cx="6091920" cy="3425040"/>
+            <a:ext cx="6091560" cy="3424680"/>
           </a:xfrm>
           <a:prstGeom prst="rect">
             <a:avLst/>
@@ -389,7 +389,7 @@
         <p:spPr>
           <a:xfrm>
             <a:off x="685800" y="4343400"/>
-            <a:ext cx="5482440" cy="4110840"/>
+            <a:ext cx="5482080" cy="4110480"/>
           </a:xfrm>
           <a:prstGeom prst="rect">
             <a:avLst/>
@@ -423,7 +423,7 @@
         <p:spPr>
           <a:xfrm>
             <a:off x="3884760" y="8685360"/>
-            <a:ext cx="2967840" cy="453240"/>
+            <a:ext cx="2967480" cy="452880"/>
           </a:xfrm>
           <a:prstGeom prst="rect">
             <a:avLst/>
@@ -459,7 +459,7 @@
               </a:lnSpc>
               <a:buNone/>
             </a:pPr>
-            <a:fld id="{E1BD431C-CDDF-42C2-AC0E-5D997AEC0313}" type="slidenum">
+            <a:fld id="{C863F00D-6469-4AF9-B6FA-19DAE221EDBF}" type="slidenum">
               <a:rPr b="0" lang="en-US" sz="1200" spc="-1" strike="noStrike">
                 <a:solidFill>
                   <a:srgbClr val="000000"/>
@@ -510,7 +510,7 @@
         <p:spPr>
           <a:xfrm>
             <a:off x="380880" y="685800"/>
-            <a:ext cx="6091920" cy="3425040"/>
+            <a:ext cx="6091560" cy="3424680"/>
           </a:xfrm>
           <a:prstGeom prst="rect">
             <a:avLst/>
@@ -533,7 +533,7 @@
         <p:spPr>
           <a:xfrm>
             <a:off x="685800" y="4343400"/>
-            <a:ext cx="5482440" cy="4110840"/>
+            <a:ext cx="5482080" cy="4110480"/>
           </a:xfrm>
           <a:prstGeom prst="rect">
             <a:avLst/>
@@ -567,7 +567,7 @@
         <p:spPr>
           <a:xfrm>
             <a:off x="3884760" y="8685360"/>
-            <a:ext cx="2967840" cy="453240"/>
+            <a:ext cx="2967480" cy="452880"/>
           </a:xfrm>
           <a:prstGeom prst="rect">
             <a:avLst/>
@@ -603,7 +603,7 @@
               </a:lnSpc>
               <a:buNone/>
             </a:pPr>
-            <a:fld id="{06A6330D-3057-4704-9386-A67FEAE297E6}" type="slidenum">
+            <a:fld id="{FC617E30-511D-4C2E-B09F-C130AC7E538B}" type="slidenum">
               <a:rPr b="0" lang="en-US" sz="1200" spc="-1" strike="noStrike">
                 <a:solidFill>
                   <a:srgbClr val="000000"/>
@@ -654,7 +654,7 @@
         <p:spPr>
           <a:xfrm>
             <a:off x="380880" y="685800"/>
-            <a:ext cx="6091920" cy="3425040"/>
+            <a:ext cx="6091560" cy="3424680"/>
           </a:xfrm>
           <a:prstGeom prst="rect">
             <a:avLst/>
@@ -677,7 +677,7 @@
         <p:spPr>
           <a:xfrm>
             <a:off x="685800" y="4343400"/>
-            <a:ext cx="5482440" cy="4110840"/>
+            <a:ext cx="5482080" cy="4110480"/>
           </a:xfrm>
           <a:prstGeom prst="rect">
             <a:avLst/>
@@ -711,7 +711,7 @@
         <p:spPr>
           <a:xfrm>
             <a:off x="3884760" y="8685360"/>
-            <a:ext cx="2967840" cy="453240"/>
+            <a:ext cx="2967480" cy="452880"/>
           </a:xfrm>
           <a:prstGeom prst="rect">
             <a:avLst/>
@@ -747,7 +747,7 @@
               </a:lnSpc>
               <a:buNone/>
             </a:pPr>
-            <a:fld id="{93112146-B4DD-419E-9FC8-FF522F20DF9F}" type="slidenum">
+            <a:fld id="{DC431F84-9F0D-4164-987E-F5B4B12A15C3}" type="slidenum">
               <a:rPr b="0" lang="en-US" sz="1200" spc="-1" strike="noStrike">
                 <a:solidFill>
                   <a:srgbClr val="000000"/>
@@ -798,7 +798,7 @@
         <p:spPr>
           <a:xfrm>
             <a:off x="380880" y="685800"/>
-            <a:ext cx="6091920" cy="3425040"/>
+            <a:ext cx="6091560" cy="3424680"/>
           </a:xfrm>
           <a:prstGeom prst="rect">
             <a:avLst/>
@@ -821,7 +821,7 @@
         <p:spPr>
           <a:xfrm>
             <a:off x="685800" y="4343400"/>
-            <a:ext cx="5482440" cy="4110840"/>
+            <a:ext cx="5482080" cy="4110480"/>
           </a:xfrm>
           <a:prstGeom prst="rect">
             <a:avLst/>
@@ -855,7 +855,7 @@
         <p:spPr>
           <a:xfrm>
             <a:off x="3884760" y="8685360"/>
-            <a:ext cx="2967840" cy="453240"/>
+            <a:ext cx="2967480" cy="452880"/>
           </a:xfrm>
           <a:prstGeom prst="rect">
             <a:avLst/>
@@ -891,7 +891,7 @@
               </a:lnSpc>
               <a:buNone/>
             </a:pPr>
-            <a:fld id="{D1110DB3-43F0-4DC3-B330-72B8C73200C0}" type="slidenum">
+            <a:fld id="{6D8FB03A-C0D1-4720-B214-B9607415D5CA}" type="slidenum">
               <a:rPr b="0" lang="en-US" sz="1200" spc="-1" strike="noStrike">
                 <a:solidFill>
                   <a:srgbClr val="000000"/>
@@ -942,7 +942,7 @@
         <p:spPr>
           <a:xfrm>
             <a:off x="380880" y="685800"/>
-            <a:ext cx="6091920" cy="3425040"/>
+            <a:ext cx="6091560" cy="3424680"/>
           </a:xfrm>
           <a:prstGeom prst="rect">
             <a:avLst/>
@@ -965,7 +965,7 @@
         <p:spPr>
           <a:xfrm>
             <a:off x="685800" y="4343400"/>
-            <a:ext cx="5482440" cy="4110840"/>
+            <a:ext cx="5482080" cy="4110480"/>
           </a:xfrm>
           <a:prstGeom prst="rect">
             <a:avLst/>
@@ -999,7 +999,7 @@
         <p:spPr>
           <a:xfrm>
             <a:off x="3884760" y="8685360"/>
-            <a:ext cx="2967840" cy="453240"/>
+            <a:ext cx="2967480" cy="452880"/>
           </a:xfrm>
           <a:prstGeom prst="rect">
             <a:avLst/>
@@ -1035,7 +1035,7 @@
               </a:lnSpc>
               <a:buNone/>
             </a:pPr>
-            <a:fld id="{FA00662D-3DE0-44BC-8323-4EFB849A1896}" type="slidenum">
+            <a:fld id="{889BA8F1-61EE-4800-A81E-040B496B9E51}" type="slidenum">
               <a:rPr b="0" lang="en-US" sz="1200" spc="-1" strike="noStrike">
                 <a:solidFill>
                   <a:srgbClr val="000000"/>
@@ -1086,7 +1086,7 @@
         <p:spPr>
           <a:xfrm>
             <a:off x="380880" y="685800"/>
-            <a:ext cx="6091920" cy="3425040"/>
+            <a:ext cx="6091560" cy="3424680"/>
           </a:xfrm>
           <a:prstGeom prst="rect">
             <a:avLst/>
@@ -1109,7 +1109,7 @@
         <p:spPr>
           <a:xfrm>
             <a:off x="685800" y="4343400"/>
-            <a:ext cx="5482440" cy="4110840"/>
+            <a:ext cx="5482080" cy="4110480"/>
           </a:xfrm>
           <a:prstGeom prst="rect">
             <a:avLst/>
@@ -1143,7 +1143,7 @@
         <p:spPr>
           <a:xfrm>
             <a:off x="3884760" y="8685360"/>
-            <a:ext cx="2967840" cy="453240"/>
+            <a:ext cx="2967480" cy="452880"/>
           </a:xfrm>
           <a:prstGeom prst="rect">
             <a:avLst/>
@@ -1179,7 +1179,7 @@
               </a:lnSpc>
               <a:buNone/>
             </a:pPr>
-            <a:fld id="{D4D4D0C4-23CC-436D-80AE-EDF28DDB7988}" type="slidenum">
+            <a:fld id="{46068BA5-1DAE-4BE6-A3E2-F7035E2FAA4B}" type="slidenum">
               <a:rPr b="0" lang="en-US" sz="1200" spc="-1" strike="noStrike">
                 <a:solidFill>
                   <a:srgbClr val="000000"/>
@@ -1230,7 +1230,7 @@
         <p:spPr>
           <a:xfrm>
             <a:off x="380880" y="685800"/>
-            <a:ext cx="6091920" cy="3425040"/>
+            <a:ext cx="6091560" cy="3424680"/>
           </a:xfrm>
           <a:prstGeom prst="rect">
             <a:avLst/>
@@ -1253,7 +1253,7 @@
         <p:spPr>
           <a:xfrm>
             <a:off x="685800" y="4343400"/>
-            <a:ext cx="5482440" cy="4110840"/>
+            <a:ext cx="5482080" cy="4110480"/>
           </a:xfrm>
           <a:prstGeom prst="rect">
             <a:avLst/>
@@ -1287,7 +1287,7 @@
         <p:spPr>
           <a:xfrm>
             <a:off x="3884760" y="8685360"/>
-            <a:ext cx="2967840" cy="453240"/>
+            <a:ext cx="2967480" cy="452880"/>
           </a:xfrm>
           <a:prstGeom prst="rect">
             <a:avLst/>
@@ -1323,7 +1323,7 @@
               </a:lnSpc>
               <a:buNone/>
             </a:pPr>
-            <a:fld id="{633E16C8-55D0-405D-9656-52FA7FCBDFCD}" type="slidenum">
+            <a:fld id="{9BF417D5-0C42-4C3D-ABF8-E0FB65DACA2C}" type="slidenum">
               <a:rPr b="0" lang="en-US" sz="1200" spc="-1" strike="noStrike">
                 <a:solidFill>
                   <a:srgbClr val="000000"/>
@@ -1374,7 +1374,7 @@
         <p:spPr>
           <a:xfrm>
             <a:off x="380880" y="685800"/>
-            <a:ext cx="6091920" cy="3425040"/>
+            <a:ext cx="6091560" cy="3424680"/>
           </a:xfrm>
           <a:prstGeom prst="rect">
             <a:avLst/>
@@ -1397,7 +1397,7 @@
         <p:spPr>
           <a:xfrm>
             <a:off x="685800" y="4343400"/>
-            <a:ext cx="5482440" cy="4110840"/>
+            <a:ext cx="5482080" cy="4110480"/>
           </a:xfrm>
           <a:prstGeom prst="rect">
             <a:avLst/>
@@ -1431,7 +1431,7 @@
         <p:spPr>
           <a:xfrm>
             <a:off x="3884760" y="8685360"/>
-            <a:ext cx="2967840" cy="453240"/>
+            <a:ext cx="2967480" cy="452880"/>
           </a:xfrm>
           <a:prstGeom prst="rect">
             <a:avLst/>
@@ -1467,7 +1467,7 @@
               </a:lnSpc>
               <a:buNone/>
             </a:pPr>
-            <a:fld id="{B167600E-8449-4738-AE46-AFCB2B496125}" type="slidenum">
+            <a:fld id="{A16AC8AF-DD4C-43FE-BAEE-B8D34761502F}" type="slidenum">
               <a:rPr b="0" lang="en-US" sz="1200" spc="-1" strike="noStrike">
                 <a:solidFill>
                   <a:srgbClr val="000000"/>
@@ -1518,7 +1518,7 @@
         <p:spPr>
           <a:xfrm>
             <a:off x="380880" y="685800"/>
-            <a:ext cx="6091920" cy="3425040"/>
+            <a:ext cx="6091560" cy="3424680"/>
           </a:xfrm>
           <a:prstGeom prst="rect">
             <a:avLst/>
@@ -1541,7 +1541,7 @@
         <p:spPr>
           <a:xfrm>
             <a:off x="685800" y="4343400"/>
-            <a:ext cx="5482440" cy="4110840"/>
+            <a:ext cx="5482080" cy="4110480"/>
           </a:xfrm>
           <a:prstGeom prst="rect">
             <a:avLst/>
@@ -1575,7 +1575,7 @@
         <p:spPr>
           <a:xfrm>
             <a:off x="3884760" y="8685360"/>
-            <a:ext cx="2967840" cy="453240"/>
+            <a:ext cx="2967480" cy="452880"/>
           </a:xfrm>
           <a:prstGeom prst="rect">
             <a:avLst/>
@@ -1611,7 +1611,7 @@
               </a:lnSpc>
               <a:buNone/>
             </a:pPr>
-            <a:fld id="{12AECC88-D1AD-4875-8DDE-C0CD86CB0C8D}" type="slidenum">
+            <a:fld id="{52B874CF-731C-4BE3-BB05-4BDE2F9679A6}" type="slidenum">
               <a:rPr b="0" lang="en-US" sz="1200" spc="-1" strike="noStrike">
                 <a:solidFill>
                   <a:srgbClr val="000000"/>
@@ -1662,7 +1662,7 @@
         <p:spPr>
           <a:xfrm>
             <a:off x="380880" y="685800"/>
-            <a:ext cx="6091920" cy="3425040"/>
+            <a:ext cx="6091560" cy="3424680"/>
           </a:xfrm>
           <a:prstGeom prst="rect">
             <a:avLst/>
@@ -1685,7 +1685,7 @@
         <p:spPr>
           <a:xfrm>
             <a:off x="685800" y="4343400"/>
-            <a:ext cx="5482440" cy="4110840"/>
+            <a:ext cx="5482080" cy="4110480"/>
           </a:xfrm>
           <a:prstGeom prst="rect">
             <a:avLst/>
@@ -1719,7 +1719,7 @@
         <p:spPr>
           <a:xfrm>
             <a:off x="3884760" y="8685360"/>
-            <a:ext cx="2967840" cy="453240"/>
+            <a:ext cx="2967480" cy="452880"/>
           </a:xfrm>
           <a:prstGeom prst="rect">
             <a:avLst/>
@@ -1755,7 +1755,7 @@
               </a:lnSpc>
               <a:buNone/>
             </a:pPr>
-            <a:fld id="{D698BDF0-53E2-4A50-98CD-CCA9A6AD464A}" type="slidenum">
+            <a:fld id="{4C3D9663-3700-46DD-8F0B-6CDA70A3E502}" type="slidenum">
               <a:rPr b="0" lang="en-US" sz="1200" spc="-1" strike="noStrike">
                 <a:solidFill>
                   <a:srgbClr val="000000"/>
@@ -1806,7 +1806,7 @@
         <p:spPr>
           <a:xfrm>
             <a:off x="380880" y="685800"/>
-            <a:ext cx="6091920" cy="3425040"/>
+            <a:ext cx="6091560" cy="3424680"/>
           </a:xfrm>
           <a:prstGeom prst="rect">
             <a:avLst/>
@@ -1829,7 +1829,7 @@
         <p:spPr>
           <a:xfrm>
             <a:off x="685800" y="4343400"/>
-            <a:ext cx="5482440" cy="4110840"/>
+            <a:ext cx="5482080" cy="4110480"/>
           </a:xfrm>
           <a:prstGeom prst="rect">
             <a:avLst/>
@@ -1863,7 +1863,7 @@
         <p:spPr>
           <a:xfrm>
             <a:off x="3884760" y="8685360"/>
-            <a:ext cx="2967840" cy="453240"/>
+            <a:ext cx="2967480" cy="452880"/>
           </a:xfrm>
           <a:prstGeom prst="rect">
             <a:avLst/>
@@ -1899,7 +1899,7 @@
               </a:lnSpc>
               <a:buNone/>
             </a:pPr>
-            <a:fld id="{2F1A721D-80D5-4F26-8ADF-B894F702DA61}" type="slidenum">
+            <a:fld id="{5990D2A7-0DA9-49CB-9A00-0DD3082BA54F}" type="slidenum">
               <a:rPr b="0" lang="en-US" sz="1200" spc="-1" strike="noStrike">
                 <a:solidFill>
                   <a:srgbClr val="000000"/>
@@ -1950,7 +1950,7 @@
         <p:spPr>
           <a:xfrm>
             <a:off x="380880" y="685800"/>
-            <a:ext cx="6091920" cy="3425040"/>
+            <a:ext cx="6091560" cy="3424680"/>
           </a:xfrm>
           <a:prstGeom prst="rect">
             <a:avLst/>
@@ -1973,7 +1973,7 @@
         <p:spPr>
           <a:xfrm>
             <a:off x="685800" y="4343400"/>
-            <a:ext cx="5482440" cy="4110840"/>
+            <a:ext cx="5482080" cy="4110480"/>
           </a:xfrm>
           <a:prstGeom prst="rect">
             <a:avLst/>
@@ -2007,7 +2007,7 @@
         <p:spPr>
           <a:xfrm>
             <a:off x="3884760" y="8685360"/>
-            <a:ext cx="2967840" cy="453240"/>
+            <a:ext cx="2967480" cy="452880"/>
           </a:xfrm>
           <a:prstGeom prst="rect">
             <a:avLst/>
@@ -2043,7 +2043,7 @@
               </a:lnSpc>
               <a:buNone/>
             </a:pPr>
-            <a:fld id="{C481579A-4C22-4A12-8748-BFB4B3959C3D}" type="slidenum">
+            <a:fld id="{0741E98D-FBE6-4F38-9CE3-965B198AFB93}" type="slidenum">
               <a:rPr b="0" lang="en-US" sz="1200" spc="-1" strike="noStrike">
                 <a:solidFill>
                   <a:srgbClr val="000000"/>
@@ -2094,7 +2094,7 @@
         <p:spPr>
           <a:xfrm>
             <a:off x="380880" y="685800"/>
-            <a:ext cx="6091920" cy="3425040"/>
+            <a:ext cx="6091560" cy="3424680"/>
           </a:xfrm>
           <a:prstGeom prst="rect">
             <a:avLst/>
@@ -2117,7 +2117,7 @@
         <p:spPr>
           <a:xfrm>
             <a:off x="685800" y="4343400"/>
-            <a:ext cx="5482440" cy="4110840"/>
+            <a:ext cx="5482080" cy="4110480"/>
           </a:xfrm>
           <a:prstGeom prst="rect">
             <a:avLst/>
@@ -2151,7 +2151,7 @@
         <p:spPr>
           <a:xfrm>
             <a:off x="3884760" y="8685360"/>
-            <a:ext cx="2967840" cy="453240"/>
+            <a:ext cx="2967480" cy="452880"/>
           </a:xfrm>
           <a:prstGeom prst="rect">
             <a:avLst/>
@@ -2187,7 +2187,7 @@
               </a:lnSpc>
               <a:buNone/>
             </a:pPr>
-            <a:fld id="{303B816C-1691-4BF7-A5E7-CC11EE0B3D6B}" type="slidenum">
+            <a:fld id="{CEC63F08-A56C-49A5-81BA-C77EE036E9B3}" type="slidenum">
               <a:rPr b="0" lang="en-US" sz="1200" spc="-1" strike="noStrike">
                 <a:solidFill>
                   <a:srgbClr val="000000"/>
@@ -2238,7 +2238,7 @@
         <p:spPr>
           <a:xfrm>
             <a:off x="380880" y="685800"/>
-            <a:ext cx="6091920" cy="3425040"/>
+            <a:ext cx="6091560" cy="3424680"/>
           </a:xfrm>
           <a:prstGeom prst="rect">
             <a:avLst/>
@@ -2261,7 +2261,7 @@
         <p:spPr>
           <a:xfrm>
             <a:off x="685800" y="4343400"/>
-            <a:ext cx="5482440" cy="4110840"/>
+            <a:ext cx="5482080" cy="4110480"/>
           </a:xfrm>
           <a:prstGeom prst="rect">
             <a:avLst/>
@@ -2295,7 +2295,7 @@
         <p:spPr>
           <a:xfrm>
             <a:off x="3884760" y="8685360"/>
-            <a:ext cx="2967840" cy="453240"/>
+            <a:ext cx="2967480" cy="452880"/>
           </a:xfrm>
           <a:prstGeom prst="rect">
             <a:avLst/>
@@ -2331,7 +2331,7 @@
               </a:lnSpc>
               <a:buNone/>
             </a:pPr>
-            <a:fld id="{F15A010B-C0D8-467B-B6BE-424B232B37DB}" type="slidenum">
+            <a:fld id="{0510D8DD-8AB0-4EA1-9DE0-EAD6E378A1E7}" type="slidenum">
               <a:rPr b="0" lang="en-US" sz="1200" spc="-1" strike="noStrike">
                 <a:solidFill>
                   <a:srgbClr val="000000"/>
@@ -2382,7 +2382,7 @@
         <p:spPr>
           <a:xfrm>
             <a:off x="380880" y="685800"/>
-            <a:ext cx="6091920" cy="3425040"/>
+            <a:ext cx="6091560" cy="3424680"/>
           </a:xfrm>
           <a:prstGeom prst="rect">
             <a:avLst/>
@@ -2405,7 +2405,7 @@
         <p:spPr>
           <a:xfrm>
             <a:off x="685800" y="4343400"/>
-            <a:ext cx="5482440" cy="4110840"/>
+            <a:ext cx="5482080" cy="4110480"/>
           </a:xfrm>
           <a:prstGeom prst="rect">
             <a:avLst/>
@@ -2439,7 +2439,7 @@
         <p:spPr>
           <a:xfrm>
             <a:off x="3884760" y="8685360"/>
-            <a:ext cx="2967840" cy="453240"/>
+            <a:ext cx="2967480" cy="452880"/>
           </a:xfrm>
           <a:prstGeom prst="rect">
             <a:avLst/>
@@ -2475,7 +2475,7 @@
               </a:lnSpc>
               <a:buNone/>
             </a:pPr>
-            <a:fld id="{16DFE074-0B4E-44E4-992A-3E00A500B434}" type="slidenum">
+            <a:fld id="{1319FE82-D60C-40B0-B0E2-4F3CF2E5D36D}" type="slidenum">
               <a:rPr b="0" lang="en-US" sz="1200" spc="-1" strike="noStrike">
                 <a:solidFill>
                   <a:srgbClr val="000000"/>
@@ -2526,7 +2526,7 @@
         <p:spPr>
           <a:xfrm>
             <a:off x="380880" y="685800"/>
-            <a:ext cx="6091920" cy="3425040"/>
+            <a:ext cx="6091560" cy="3424680"/>
           </a:xfrm>
           <a:prstGeom prst="rect">
             <a:avLst/>
@@ -2549,7 +2549,7 @@
         <p:spPr>
           <a:xfrm>
             <a:off x="685800" y="4343400"/>
-            <a:ext cx="5482440" cy="4110840"/>
+            <a:ext cx="5482080" cy="4110480"/>
           </a:xfrm>
           <a:prstGeom prst="rect">
             <a:avLst/>
@@ -2583,7 +2583,7 @@
         <p:spPr>
           <a:xfrm>
             <a:off x="3884760" y="8685360"/>
-            <a:ext cx="2967840" cy="453240"/>
+            <a:ext cx="2967480" cy="452880"/>
           </a:xfrm>
           <a:prstGeom prst="rect">
             <a:avLst/>
@@ -2619,7 +2619,7 @@
               </a:lnSpc>
               <a:buNone/>
             </a:pPr>
-            <a:fld id="{24067A1F-E410-4BCE-82DA-5968561A6676}" type="slidenum">
+            <a:fld id="{42AECCB6-48A1-46E2-A8B7-77EE96954BED}" type="slidenum">
               <a:rPr b="0" lang="en-US" sz="1200" spc="-1" strike="noStrike">
                 <a:solidFill>
                   <a:srgbClr val="000000"/>
@@ -2670,7 +2670,7 @@
         <p:spPr>
           <a:xfrm>
             <a:off x="380880" y="685800"/>
-            <a:ext cx="6091920" cy="3425040"/>
+            <a:ext cx="6091560" cy="3424680"/>
           </a:xfrm>
           <a:prstGeom prst="rect">
             <a:avLst/>
@@ -2693,7 +2693,7 @@
         <p:spPr>
           <a:xfrm>
             <a:off x="685800" y="4343400"/>
-            <a:ext cx="5482440" cy="4110840"/>
+            <a:ext cx="5482080" cy="4110480"/>
           </a:xfrm>
           <a:prstGeom prst="rect">
             <a:avLst/>
@@ -2727,7 +2727,7 @@
         <p:spPr>
           <a:xfrm>
             <a:off x="3884760" y="8685360"/>
-            <a:ext cx="2967840" cy="453240"/>
+            <a:ext cx="2967480" cy="452880"/>
           </a:xfrm>
           <a:prstGeom prst="rect">
             <a:avLst/>
@@ -2763,7 +2763,7 @@
               </a:lnSpc>
               <a:buNone/>
             </a:pPr>
-            <a:fld id="{55B5F69B-2546-43CE-B691-4A004A323CE0}" type="slidenum">
+            <a:fld id="{E2E353BB-B395-45AE-9F43-585F1C2AF7B3}" type="slidenum">
               <a:rPr b="0" lang="en-US" sz="1200" spc="-1" strike="noStrike">
                 <a:solidFill>
                   <a:srgbClr val="000000"/>
@@ -2814,7 +2814,7 @@
         <p:spPr>
           <a:xfrm>
             <a:off x="380880" y="685800"/>
-            <a:ext cx="6091920" cy="3425040"/>
+            <a:ext cx="6091560" cy="3424680"/>
           </a:xfrm>
           <a:prstGeom prst="rect">
             <a:avLst/>
@@ -2837,7 +2837,7 @@
         <p:spPr>
           <a:xfrm>
             <a:off x="685800" y="4343400"/>
-            <a:ext cx="5482440" cy="4110840"/>
+            <a:ext cx="5482080" cy="4110480"/>
           </a:xfrm>
           <a:prstGeom prst="rect">
             <a:avLst/>
@@ -2871,7 +2871,7 @@
         <p:spPr>
           <a:xfrm>
             <a:off x="3884760" y="8685360"/>
-            <a:ext cx="2967840" cy="453240"/>
+            <a:ext cx="2967480" cy="452880"/>
           </a:xfrm>
           <a:prstGeom prst="rect">
             <a:avLst/>
@@ -2907,7 +2907,7 @@
               </a:lnSpc>
               <a:buNone/>
             </a:pPr>
-            <a:fld id="{93200437-3E1B-4D36-A862-6F055E70B55E}" type="slidenum">
+            <a:fld id="{40468A11-DD82-4F9A-898A-021A1E55B7C0}" type="slidenum">
               <a:rPr b="0" lang="en-US" sz="1200" spc="-1" strike="noStrike">
                 <a:solidFill>
                   <a:srgbClr val="000000"/>
@@ -2958,7 +2958,7 @@
         <p:spPr>
           <a:xfrm>
             <a:off x="380880" y="685800"/>
-            <a:ext cx="6091920" cy="3425040"/>
+            <a:ext cx="6091560" cy="3424680"/>
           </a:xfrm>
           <a:prstGeom prst="rect">
             <a:avLst/>
@@ -2981,7 +2981,7 @@
         <p:spPr>
           <a:xfrm>
             <a:off x="685800" y="4343400"/>
-            <a:ext cx="5482440" cy="4110840"/>
+            <a:ext cx="5482080" cy="4110480"/>
           </a:xfrm>
           <a:prstGeom prst="rect">
             <a:avLst/>
@@ -3015,7 +3015,7 @@
         <p:spPr>
           <a:xfrm>
             <a:off x="3884760" y="8685360"/>
-            <a:ext cx="2967840" cy="453240"/>
+            <a:ext cx="2967480" cy="452880"/>
           </a:xfrm>
           <a:prstGeom prst="rect">
             <a:avLst/>
@@ -3051,7 +3051,7 @@
               </a:lnSpc>
               <a:buNone/>
             </a:pPr>
-            <a:fld id="{B5A6245A-C8B5-47CC-AD6E-61D3B110A234}" type="slidenum">
+            <a:fld id="{5958BCC4-DAF7-45D8-9170-A5183771BABD}" type="slidenum">
               <a:rPr b="0" lang="en-US" sz="1200" spc="-1" strike="noStrike">
                 <a:solidFill>
                   <a:srgbClr val="000000"/>
@@ -3102,7 +3102,7 @@
         <p:spPr>
           <a:xfrm>
             <a:off x="380880" y="685800"/>
-            <a:ext cx="6091920" cy="3425040"/>
+            <a:ext cx="6091560" cy="3424680"/>
           </a:xfrm>
           <a:prstGeom prst="rect">
             <a:avLst/>
@@ -3125,7 +3125,7 @@
         <p:spPr>
           <a:xfrm>
             <a:off x="685800" y="4343400"/>
-            <a:ext cx="5482440" cy="4110840"/>
+            <a:ext cx="5482080" cy="4110480"/>
           </a:xfrm>
           <a:prstGeom prst="rect">
             <a:avLst/>
@@ -3159,7 +3159,7 @@
         <p:spPr>
           <a:xfrm>
             <a:off x="3884760" y="8685360"/>
-            <a:ext cx="2967840" cy="453240"/>
+            <a:ext cx="2967480" cy="452880"/>
           </a:xfrm>
           <a:prstGeom prst="rect">
             <a:avLst/>
@@ -3195,7 +3195,7 @@
               </a:lnSpc>
               <a:buNone/>
             </a:pPr>
-            <a:fld id="{78D1D06D-FD27-4F6B-B237-960B06BF6229}" type="slidenum">
+            <a:fld id="{CFFD1755-85F2-462A-8AA8-8E85B4F58DFE}" type="slidenum">
               <a:rPr b="0" lang="en-US" sz="1200" spc="-1" strike="noStrike">
                 <a:solidFill>
                   <a:srgbClr val="000000"/>
@@ -3246,7 +3246,7 @@
         <p:spPr>
           <a:xfrm>
             <a:off x="380880" y="685800"/>
-            <a:ext cx="6091920" cy="3425040"/>
+            <a:ext cx="6091560" cy="3424680"/>
           </a:xfrm>
           <a:prstGeom prst="rect">
             <a:avLst/>
@@ -3269,7 +3269,7 @@
         <p:spPr>
           <a:xfrm>
             <a:off x="685800" y="4343400"/>
-            <a:ext cx="5482440" cy="4110840"/>
+            <a:ext cx="5482080" cy="4110480"/>
           </a:xfrm>
           <a:prstGeom prst="rect">
             <a:avLst/>
@@ -3303,7 +3303,7 @@
         <p:spPr>
           <a:xfrm>
             <a:off x="3884760" y="8685360"/>
-            <a:ext cx="2967840" cy="453240"/>
+            <a:ext cx="2967480" cy="452880"/>
           </a:xfrm>
           <a:prstGeom prst="rect">
             <a:avLst/>
@@ -3339,7 +3339,7 @@
               </a:lnSpc>
               <a:buNone/>
             </a:pPr>
-            <a:fld id="{C8A2214F-76A6-40A9-9DCF-99BB3E0211B7}" type="slidenum">
+            <a:fld id="{E842A1F7-B4F8-439B-A2CE-1ECB901F25AB}" type="slidenum">
               <a:rPr b="0" lang="en-US" sz="1200" spc="-1" strike="noStrike">
                 <a:solidFill>
                   <a:srgbClr val="000000"/>
@@ -3390,7 +3390,7 @@
         <p:spPr>
           <a:xfrm>
             <a:off x="380880" y="685800"/>
-            <a:ext cx="6091920" cy="3425040"/>
+            <a:ext cx="6091560" cy="3424680"/>
           </a:xfrm>
           <a:prstGeom prst="rect">
             <a:avLst/>
@@ -3413,7 +3413,7 @@
         <p:spPr>
           <a:xfrm>
             <a:off x="685800" y="4343400"/>
-            <a:ext cx="5482440" cy="4110840"/>
+            <a:ext cx="5482080" cy="4110480"/>
           </a:xfrm>
           <a:prstGeom prst="rect">
             <a:avLst/>
@@ -3447,7 +3447,7 @@
         <p:spPr>
           <a:xfrm>
             <a:off x="3884760" y="8685360"/>
-            <a:ext cx="2967840" cy="453240"/>
+            <a:ext cx="2967480" cy="452880"/>
           </a:xfrm>
           <a:prstGeom prst="rect">
             <a:avLst/>
@@ -3483,7 +3483,7 @@
               </a:lnSpc>
               <a:buNone/>
             </a:pPr>
-            <a:fld id="{E9C600CE-32F6-4FED-87F4-4D8E44175150}" type="slidenum">
+            <a:fld id="{9FB41A55-7531-4231-BF8A-B42BF90DC21E}" type="slidenum">
               <a:rPr b="0" lang="en-US" sz="1200" spc="-1" strike="noStrike">
                 <a:solidFill>
                   <a:srgbClr val="000000"/>
@@ -3534,7 +3534,7 @@
         <p:spPr>
           <a:xfrm>
             <a:off x="380880" y="685800"/>
-            <a:ext cx="6091920" cy="3425040"/>
+            <a:ext cx="6091560" cy="3424680"/>
           </a:xfrm>
           <a:prstGeom prst="rect">
             <a:avLst/>
@@ -3557,7 +3557,7 @@
         <p:spPr>
           <a:xfrm>
             <a:off x="685800" y="4343400"/>
-            <a:ext cx="5482440" cy="4110840"/>
+            <a:ext cx="5482080" cy="4110480"/>
           </a:xfrm>
           <a:prstGeom prst="rect">
             <a:avLst/>
@@ -3591,7 +3591,7 @@
         <p:spPr>
           <a:xfrm>
             <a:off x="3884760" y="8685360"/>
-            <a:ext cx="2967840" cy="453240"/>
+            <a:ext cx="2967480" cy="452880"/>
           </a:xfrm>
           <a:prstGeom prst="rect">
             <a:avLst/>
@@ -3627,7 +3627,7 @@
               </a:lnSpc>
               <a:buNone/>
             </a:pPr>
-            <a:fld id="{8682AF1A-6A34-4267-B8BE-58BE7C47A98B}" type="slidenum">
+            <a:fld id="{E84ABD7E-8524-4CA3-AB01-A371260D0FA3}" type="slidenum">
               <a:rPr b="0" lang="en-US" sz="1200" spc="-1" strike="noStrike">
                 <a:solidFill>
                   <a:srgbClr val="000000"/>
@@ -3678,7 +3678,7 @@
         <p:spPr>
           <a:xfrm>
             <a:off x="380880" y="685800"/>
-            <a:ext cx="6091920" cy="3425040"/>
+            <a:ext cx="6091560" cy="3424680"/>
           </a:xfrm>
           <a:prstGeom prst="rect">
             <a:avLst/>
@@ -3701,7 +3701,7 @@
         <p:spPr>
           <a:xfrm>
             <a:off x="685800" y="4343400"/>
-            <a:ext cx="5482440" cy="4110840"/>
+            <a:ext cx="5482080" cy="4110480"/>
           </a:xfrm>
           <a:prstGeom prst="rect">
             <a:avLst/>
@@ -3735,7 +3735,7 @@
         <p:spPr>
           <a:xfrm>
             <a:off x="3884760" y="8685360"/>
-            <a:ext cx="2967840" cy="453240"/>
+            <a:ext cx="2967480" cy="452880"/>
           </a:xfrm>
           <a:prstGeom prst="rect">
             <a:avLst/>
@@ -3771,7 +3771,7 @@
               </a:lnSpc>
               <a:buNone/>
             </a:pPr>
-            <a:fld id="{E6B60C0C-685A-4BF9-9B22-53E30C8501A1}" type="slidenum">
+            <a:fld id="{0F2D6637-C34D-4006-B7F0-1C3D98AE2E81}" type="slidenum">
               <a:rPr b="0" lang="en-US" sz="1200" spc="-1" strike="noStrike">
                 <a:solidFill>
                   <a:srgbClr val="000000"/>
@@ -3822,7 +3822,7 @@
         <p:spPr>
           <a:xfrm>
             <a:off x="380880" y="685800"/>
-            <a:ext cx="6091920" cy="3425040"/>
+            <a:ext cx="6091560" cy="3424680"/>
           </a:xfrm>
           <a:prstGeom prst="rect">
             <a:avLst/>
@@ -3845,7 +3845,7 @@
         <p:spPr>
           <a:xfrm>
             <a:off x="685800" y="4343400"/>
-            <a:ext cx="5482440" cy="4110840"/>
+            <a:ext cx="5482080" cy="4110480"/>
           </a:xfrm>
           <a:prstGeom prst="rect">
             <a:avLst/>
@@ -3879,7 +3879,7 @@
         <p:spPr>
           <a:xfrm>
             <a:off x="3884760" y="8685360"/>
-            <a:ext cx="2967840" cy="453240"/>
+            <a:ext cx="2967480" cy="452880"/>
           </a:xfrm>
           <a:prstGeom prst="rect">
             <a:avLst/>
@@ -3915,7 +3915,7 @@
               </a:lnSpc>
               <a:buNone/>
             </a:pPr>
-            <a:fld id="{8283A5B6-DDF4-4596-87D8-02A91E24D123}" type="slidenum">
+            <a:fld id="{508E92FC-A290-48DE-83C1-E816FBFC3BDB}" type="slidenum">
               <a:rPr b="0" lang="en-US" sz="1200" spc="-1" strike="noStrike">
                 <a:solidFill>
                   <a:srgbClr val="000000"/>
@@ -3966,7 +3966,7 @@
         <p:spPr>
           <a:xfrm>
             <a:off x="380880" y="685800"/>
-            <a:ext cx="6091920" cy="3425040"/>
+            <a:ext cx="6091560" cy="3424680"/>
           </a:xfrm>
           <a:prstGeom prst="rect">
             <a:avLst/>
@@ -3989,7 +3989,7 @@
         <p:spPr>
           <a:xfrm>
             <a:off x="685800" y="4343400"/>
-            <a:ext cx="5482440" cy="4110840"/>
+            <a:ext cx="5482080" cy="4110480"/>
           </a:xfrm>
           <a:prstGeom prst="rect">
             <a:avLst/>
@@ -4023,7 +4023,7 @@
         <p:spPr>
           <a:xfrm>
             <a:off x="3884760" y="8685360"/>
-            <a:ext cx="2967840" cy="453240"/>
+            <a:ext cx="2967480" cy="452880"/>
           </a:xfrm>
           <a:prstGeom prst="rect">
             <a:avLst/>
@@ -4059,7 +4059,7 @@
               </a:lnSpc>
               <a:buNone/>
             </a:pPr>
-            <a:fld id="{6ADEA6B3-9887-4E0B-8696-4AE70114C672}" type="slidenum">
+            <a:fld id="{FDC8BCDB-A9B2-4AF4-B57C-9049037BEFE6}" type="slidenum">
               <a:rPr b="0" lang="en-US" sz="1200" spc="-1" strike="noStrike">
                 <a:solidFill>
                   <a:srgbClr val="000000"/>
@@ -4110,7 +4110,7 @@
         <p:spPr>
           <a:xfrm>
             <a:off x="380880" y="685800"/>
-            <a:ext cx="6091920" cy="3425040"/>
+            <a:ext cx="6091560" cy="3424680"/>
           </a:xfrm>
           <a:prstGeom prst="rect">
             <a:avLst/>
@@ -4133,7 +4133,7 @@
         <p:spPr>
           <a:xfrm>
             <a:off x="685800" y="4343400"/>
-            <a:ext cx="5482440" cy="4110840"/>
+            <a:ext cx="5482080" cy="4110480"/>
           </a:xfrm>
           <a:prstGeom prst="rect">
             <a:avLst/>
@@ -4167,7 +4167,7 @@
         <p:spPr>
           <a:xfrm>
             <a:off x="3884760" y="8685360"/>
-            <a:ext cx="2967840" cy="453240"/>
+            <a:ext cx="2967480" cy="452880"/>
           </a:xfrm>
           <a:prstGeom prst="rect">
             <a:avLst/>
@@ -4203,7 +4203,7 @@
               </a:lnSpc>
               <a:buNone/>
             </a:pPr>
-            <a:fld id="{4F5BF849-EC8B-4BA0-B20E-F435E3404B83}" type="slidenum">
+            <a:fld id="{03BFC4FF-5683-484B-A426-E90BA39AAFE9}" type="slidenum">
               <a:rPr b="0" lang="en-US" sz="1200" spc="-1" strike="noStrike">
                 <a:solidFill>
                   <a:srgbClr val="000000"/>
@@ -4275,7 +4275,7 @@
         <p:txBody>
           <a:bodyPr/>
           <a:p>
-            <a:fld id="{E98E4080-F571-45FD-8F12-48C24C73E695}" type="slidenum">
+            <a:fld id="{2A6C9E6E-4A6B-4CE4-8CB6-ADA560C8581B}" type="slidenum">
               <a:t>&lt;#&gt;</a:t>
             </a:fld>
           </a:p>
@@ -4463,7 +4463,7 @@
         <p:txBody>
           <a:bodyPr/>
           <a:p>
-            <a:fld id="{12D80D25-4820-4C00-88A8-DC4F282B7BD2}" type="slidenum">
+            <a:fld id="{976DEAD1-952E-4987-96F4-9D1E9EA35FC1}" type="slidenum">
               <a:t>&lt;#&gt;</a:t>
             </a:fld>
           </a:p>
@@ -4719,7 +4719,7 @@
         <p:txBody>
           <a:bodyPr/>
           <a:p>
-            <a:fld id="{FE3ECA21-2CB8-485B-AAF5-A35D9B6BC885}" type="slidenum">
+            <a:fld id="{3119ADEA-447A-418C-8FAA-4DBF455E1C37}" type="slidenum">
               <a:t>&lt;#&gt;</a:t>
             </a:fld>
           </a:p>
@@ -5043,7 +5043,7 @@
         <p:txBody>
           <a:bodyPr/>
           <a:p>
-            <a:fld id="{6E458182-1D16-478F-B9D7-6DFC02EC24FE}" type="slidenum">
+            <a:fld id="{3125368D-C798-426B-B7B3-B1DF4CBE0CB8}" type="slidenum">
               <a:t>&lt;#&gt;</a:t>
             </a:fld>
           </a:p>
@@ -5200,7 +5200,7 @@
         <p:txBody>
           <a:bodyPr/>
           <a:p>
-            <a:fld id="{5896E7D9-35A2-42E4-B720-B305D7C268E4}" type="slidenum">
+            <a:fld id="{5368EBF8-DB0C-4B81-B440-010747653B7E}" type="slidenum">
               <a:t>&lt;#&gt;</a:t>
             </a:fld>
           </a:p>
@@ -5354,7 +5354,7 @@
         <p:txBody>
           <a:bodyPr/>
           <a:p>
-            <a:fld id="{93F65011-2F2C-4630-A802-550BBC948563}" type="slidenum">
+            <a:fld id="{CB453F64-F212-4065-8752-E80304635444}" type="slidenum">
               <a:t>&lt;#&gt;</a:t>
             </a:fld>
           </a:p>
@@ -5542,7 +5542,7 @@
         <p:txBody>
           <a:bodyPr/>
           <a:p>
-            <a:fld id="{48538D87-6419-48F2-905E-947125E1E0EC}" type="slidenum">
+            <a:fld id="{AC836DD2-1F86-472A-9CA4-9E7664377C39}" type="slidenum">
               <a:t>&lt;#&gt;</a:t>
             </a:fld>
           </a:p>
@@ -5662,7 +5662,7 @@
         <p:txBody>
           <a:bodyPr/>
           <a:p>
-            <a:fld id="{D8C3878D-D777-46F0-86F4-3E428C7A5895}" type="slidenum">
+            <a:fld id="{DD52DD69-8A71-42EB-8732-649C458D37A4}" type="slidenum">
               <a:t>&lt;#&gt;</a:t>
             </a:fld>
           </a:p>
@@ -5782,7 +5782,7 @@
         <p:txBody>
           <a:bodyPr/>
           <a:p>
-            <a:fld id="{2C01F2EB-635B-4305-8A2F-C58F122C2EB4}" type="slidenum">
+            <a:fld id="{45F5C457-A6D6-4839-BD65-61CB48C78215}" type="slidenum">
               <a:t>&lt;#&gt;</a:t>
             </a:fld>
           </a:p>
@@ -6004,7 +6004,7 @@
         <p:txBody>
           <a:bodyPr/>
           <a:p>
-            <a:fld id="{5B266038-1C35-4F37-A54C-D32837749319}" type="slidenum">
+            <a:fld id="{A1A650D6-1A0B-4C85-B403-6BF8C65EE4F0}" type="slidenum">
               <a:t>&lt;#&gt;</a:t>
             </a:fld>
           </a:p>
@@ -6226,7 +6226,7 @@
         <p:txBody>
           <a:bodyPr/>
           <a:p>
-            <a:fld id="{8AB7AA68-D7BA-4CA8-8095-356BC9EEC1AA}" type="slidenum">
+            <a:fld id="{7B9D381A-BCD4-42D2-B1CA-A6461D89E9C3}" type="slidenum">
               <a:t>&lt;#&gt;</a:t>
             </a:fld>
           </a:p>
@@ -6448,7 +6448,7 @@
         <p:txBody>
           <a:bodyPr/>
           <a:p>
-            <a:fld id="{9AC8F7BD-4615-44B3-8E7D-B855FFA5674F}" type="slidenum">
+            <a:fld id="{E1CBE300-9D7A-4D25-B210-6FFC932F98FF}" type="slidenum">
               <a:t>&lt;#&gt;</a:t>
             </a:fld>
           </a:p>
@@ -6517,7 +6517,7 @@
         <p:spPr>
           <a:xfrm>
             <a:off x="3028680" y="4771440"/>
-            <a:ext cx="3082680" cy="270720"/>
+            <a:ext cx="3082320" cy="270360"/>
           </a:xfrm>
           <a:prstGeom prst="rect">
             <a:avLst/>
@@ -6561,7 +6561,7 @@
                 <a:latin typeface="Times New Roman"/>
                 <a:ea typeface="DejaVu Sans"/>
               </a:rPr>
-              <a:t> </a:t>
+              <a:t>&lt;footer&gt;</a:t>
             </a:r>
             <a:endParaRPr b="0" lang="en-US" sz="1400" spc="-1" strike="noStrike">
               <a:latin typeface="Times New Roman"/>
@@ -6582,7 +6582,7 @@
         <p:spPr>
           <a:xfrm>
             <a:off x="6457680" y="4771440"/>
-            <a:ext cx="2054160" cy="270720"/>
+            <a:ext cx="2053800" cy="270360"/>
           </a:xfrm>
           <a:prstGeom prst="rect">
             <a:avLst/>
@@ -6618,7 +6618,7 @@
               </a:lnSpc>
               <a:buNone/>
             </a:pPr>
-            <a:fld id="{6E2019F5-00DB-4137-9737-B246237D6882}" type="slidenum">
+            <a:fld id="{4E40FF95-7541-45BB-992C-1527F43BEDE8}" type="slidenum">
               <a:rPr b="0" lang="en-US" sz="1200" spc="-1" strike="noStrike">
                 <a:solidFill>
                   <a:srgbClr val="8b8b8b"/>
@@ -6626,7 +6626,7 @@
                 <a:latin typeface="Calibri"/>
                 <a:ea typeface="DejaVu Sans"/>
               </a:rPr>
-              <a:t>26</a:t>
+              <a:t>&lt;number&gt;</a:t>
             </a:fld>
             <a:endParaRPr b="0" lang="en-US" sz="1200" spc="-1" strike="noStrike">
               <a:latin typeface="Times New Roman"/>
@@ -6647,7 +6647,7 @@
         <p:spPr>
           <a:xfrm>
             <a:off x="628200" y="4771440"/>
-            <a:ext cx="2054160" cy="270720"/>
+            <a:ext cx="2053800" cy="270360"/>
           </a:xfrm>
           <a:prstGeom prst="rect">
             <a:avLst/>
@@ -6673,7 +6673,7 @@
               <a:rPr b="0" lang="en-US" sz="1400" spc="-1" strike="noStrike">
                 <a:latin typeface="Times New Roman"/>
               </a:rPr>
-              <a:t> </a:t>
+              <a:t>&lt;date/time&gt;</a:t>
             </a:r>
             <a:endParaRPr b="0" lang="en-US" sz="1400" spc="-1" strike="noStrike">
               <a:latin typeface="Times New Roman"/>
@@ -6959,8 +6959,8 @@
         </p:nvSpPr>
         <p:spPr>
           <a:xfrm rot="2744400">
-            <a:off x="-281520" y="-25920"/>
-            <a:ext cx="704880" cy="704520"/>
+            <a:off x="-281160" y="-25920"/>
+            <a:ext cx="704520" cy="704160"/>
           </a:xfrm>
           <a:prstGeom prst="roundRect">
             <a:avLst>
@@ -6998,7 +6998,7 @@
         <p:spPr>
           <a:xfrm rot="2625600">
             <a:off x="6024960" y="4332960"/>
-            <a:ext cx="468720" cy="468720"/>
+            <a:ext cx="468360" cy="468360"/>
           </a:xfrm>
           <a:prstGeom prst="roundRect">
             <a:avLst>
@@ -7035,8 +7035,8 @@
         </p:nvSpPr>
         <p:spPr>
           <a:xfrm rot="18679200">
-            <a:off x="7004160" y="948600"/>
-            <a:ext cx="4940280" cy="4666680"/>
+            <a:off x="7003800" y="948600"/>
+            <a:ext cx="4939920" cy="4666320"/>
           </a:xfrm>
           <a:prstGeom prst="roundRect">
             <a:avLst>
@@ -7074,7 +7074,7 @@
         <p:spPr>
           <a:xfrm>
             <a:off x="459720" y="4671360"/>
-            <a:ext cx="2995920" cy="266760"/>
+            <a:ext cx="2995560" cy="266400"/>
           </a:xfrm>
           <a:prstGeom prst="rect">
             <a:avLst/>
@@ -7139,8 +7139,8 @@
         </p:blipFill>
         <p:spPr>
           <a:xfrm>
-            <a:off x="2423160" y="4671720"/>
-            <a:ext cx="288360" cy="288360"/>
+            <a:off x="3035160" y="4743720"/>
+            <a:ext cx="288000" cy="288000"/>
           </a:xfrm>
           <a:prstGeom prst="rect">
             <a:avLst/>
@@ -7159,7 +7159,7 @@
         <p:spPr>
           <a:xfrm>
             <a:off x="484920" y="1681560"/>
-            <a:ext cx="5481360" cy="1882800"/>
+            <a:ext cx="5481000" cy="1882440"/>
           </a:xfrm>
           <a:prstGeom prst="rect">
             <a:avLst/>
@@ -7247,8 +7247,8 @@
         </p:nvSpPr>
         <p:spPr>
           <a:xfrm rot="2744400">
-            <a:off x="-281520" y="-25920"/>
-            <a:ext cx="704880" cy="704520"/>
+            <a:off x="-281160" y="-25920"/>
+            <a:ext cx="704520" cy="704160"/>
           </a:xfrm>
           <a:prstGeom prst="roundRect">
             <a:avLst>
@@ -7286,7 +7286,7 @@
         <p:spPr>
           <a:xfrm rot="2332200">
             <a:off x="6009480" y="-319680"/>
-            <a:ext cx="4856040" cy="7727040"/>
+            <a:ext cx="4855680" cy="7726680"/>
           </a:xfrm>
           <a:prstGeom prst="roundRect">
             <a:avLst>
@@ -7324,9 +7324,9 @@
         <p:grpSpPr>
           <a:xfrm>
             <a:off x="4571640" y="828000"/>
-            <a:ext cx="4468680" cy="3564720"/>
+            <a:ext cx="4468320" cy="3564360"/>
             <a:chOff x="4571640" y="828000"/>
-            <a:chExt cx="4468680" cy="3564720"/>
+            <a:chExt cx="4468320" cy="3564360"/>
           </a:xfrm>
         </p:grpSpPr>
         <p:pic>
@@ -7342,7 +7342,7 @@
           <p:spPr>
             <a:xfrm>
               <a:off x="4571640" y="828000"/>
-              <a:ext cx="4468680" cy="3564720"/>
+              <a:ext cx="4468320" cy="3564360"/>
             </a:xfrm>
             <a:prstGeom prst="rect">
               <a:avLst/>
@@ -7360,8 +7360,8 @@
           </p:nvSpPr>
           <p:spPr>
             <a:xfrm rot="16200000">
-              <a:off x="5962680" y="1158480"/>
-              <a:ext cx="1737720" cy="2771640"/>
+              <a:off x="5962680" y="1158840"/>
+              <a:ext cx="1737360" cy="2771280"/>
             </a:xfrm>
             <a:prstGeom prst="roundRect">
               <a:avLst>
@@ -7428,7 +7428,7 @@
         <p:spPr>
           <a:xfrm>
             <a:off x="5446080" y="1672200"/>
-            <a:ext cx="2771280" cy="1737720"/>
+            <a:ext cx="2770920" cy="1737360"/>
           </a:xfrm>
           <a:prstGeom prst="rect">
             <a:avLst/>
@@ -7480,7 +7480,7 @@
         <p:spPr>
           <a:xfrm>
             <a:off x="586440" y="1246680"/>
-            <a:ext cx="4004640" cy="3600360"/>
+            <a:ext cx="4004280" cy="3600000"/>
           </a:xfrm>
           <a:prstGeom prst="rect">
             <a:avLst/>
@@ -7532,7 +7532,7 @@
         <p:spPr>
           <a:xfrm>
             <a:off x="586440" y="453960"/>
-            <a:ext cx="4764600" cy="855720"/>
+            <a:ext cx="4764240" cy="855360"/>
           </a:xfrm>
           <a:prstGeom prst="rect">
             <a:avLst/>
@@ -7621,7 +7621,7 @@
         <p:spPr>
           <a:xfrm rot="2745600">
             <a:off x="8349840" y="-668160"/>
-            <a:ext cx="1498680" cy="1498680"/>
+            <a:ext cx="1498320" cy="1498320"/>
           </a:xfrm>
           <a:prstGeom prst="roundRect">
             <a:avLst>
@@ -7658,8 +7658,8 @@
         </p:nvSpPr>
         <p:spPr>
           <a:xfrm rot="2745600">
-            <a:off x="7634160" y="-322560"/>
-            <a:ext cx="807480" cy="807840"/>
+            <a:off x="7634160" y="-322200"/>
+            <a:ext cx="807120" cy="807480"/>
           </a:xfrm>
           <a:prstGeom prst="roundRect">
             <a:avLst>
@@ -7698,7 +7698,7 @@
         <p:spPr>
           <a:xfrm>
             <a:off x="586440" y="899640"/>
-            <a:ext cx="7932240" cy="1537560"/>
+            <a:ext cx="7931880" cy="1537200"/>
           </a:xfrm>
           <a:prstGeom prst="rect">
             <a:avLst/>
@@ -7750,7 +7750,7 @@
         <p:spPr>
           <a:xfrm>
             <a:off x="608040" y="2545560"/>
-            <a:ext cx="3712680" cy="2256120"/>
+            <a:ext cx="3712320" cy="2255760"/>
           </a:xfrm>
           <a:prstGeom prst="rect">
             <a:avLst/>
@@ -7802,7 +7802,7 @@
         <p:spPr>
           <a:xfrm>
             <a:off x="4806360" y="2545560"/>
-            <a:ext cx="3712680" cy="2256120"/>
+            <a:ext cx="3712320" cy="2255760"/>
           </a:xfrm>
           <a:prstGeom prst="rect">
             <a:avLst/>
@@ -7854,7 +7854,7 @@
         <p:spPr>
           <a:xfrm>
             <a:off x="583200" y="450720"/>
-            <a:ext cx="7198560" cy="512640"/>
+            <a:ext cx="7198200" cy="512280"/>
           </a:xfrm>
           <a:prstGeom prst="rect">
             <a:avLst/>
@@ -7936,7 +7936,7 @@
         <p:spPr>
           <a:xfrm>
             <a:off x="586440" y="1246680"/>
-            <a:ext cx="4004640" cy="3600360"/>
+            <a:ext cx="4004280" cy="3600000"/>
           </a:xfrm>
           <a:prstGeom prst="rect">
             <a:avLst/>
@@ -7988,7 +7988,7 @@
         <p:spPr>
           <a:xfrm>
             <a:off x="559800" y="446040"/>
-            <a:ext cx="4284000" cy="684000"/>
+            <a:ext cx="4283640" cy="683640"/>
           </a:xfrm>
           <a:prstGeom prst="rect">
             <a:avLst/>
@@ -8040,7 +8040,7 @@
         <p:spPr>
           <a:xfrm>
             <a:off x="5097600" y="360"/>
-            <a:ext cx="4380120" cy="5144400"/>
+            <a:ext cx="4379760" cy="5144040"/>
           </a:xfrm>
           <a:prstGeom prst="roundRect">
             <a:avLst>
@@ -8105,8 +8105,8 @@
         </p:nvSpPr>
         <p:spPr>
           <a:xfrm rot="2744400">
-            <a:off x="-281520" y="-25920"/>
-            <a:ext cx="704880" cy="704520"/>
+            <a:off x="-281160" y="-25920"/>
+            <a:ext cx="704520" cy="704160"/>
           </a:xfrm>
           <a:prstGeom prst="roundRect">
             <a:avLst>
@@ -8144,7 +8144,7 @@
         <p:spPr>
           <a:xfrm rot="2625600">
             <a:off x="4861080" y="4146840"/>
-            <a:ext cx="468720" cy="468720"/>
+            <a:ext cx="468360" cy="468360"/>
           </a:xfrm>
           <a:prstGeom prst="roundRect">
             <a:avLst>
@@ -8218,8 +8218,8 @@
         </p:nvSpPr>
         <p:spPr>
           <a:xfrm rot="2744400">
-            <a:off x="-350640" y="4540320"/>
-            <a:ext cx="704880" cy="704520"/>
+            <a:off x="-350280" y="4539960"/>
+            <a:ext cx="704520" cy="704160"/>
           </a:xfrm>
           <a:prstGeom prst="roundRect">
             <a:avLst>
@@ -8256,8 +8256,8 @@
         </p:nvSpPr>
         <p:spPr>
           <a:xfrm rot="19228200">
-            <a:off x="5846760" y="-2266920"/>
-            <a:ext cx="4855680" cy="7726680"/>
+            <a:off x="5846400" y="-2266560"/>
+            <a:ext cx="4855320" cy="7726320"/>
           </a:xfrm>
           <a:prstGeom prst="roundRect">
             <a:avLst>
@@ -8295,9 +8295,9 @@
         <p:grpSpPr>
           <a:xfrm>
             <a:off x="4571640" y="828000"/>
-            <a:ext cx="4468680" cy="3564720"/>
+            <a:ext cx="4468320" cy="3564360"/>
             <a:chOff x="4571640" y="828000"/>
-            <a:chExt cx="4468680" cy="3564720"/>
+            <a:chExt cx="4468320" cy="3564360"/>
           </a:xfrm>
         </p:grpSpPr>
         <p:pic>
@@ -8313,7 +8313,7 @@
           <p:spPr>
             <a:xfrm>
               <a:off x="4571640" y="828000"/>
-              <a:ext cx="4468680" cy="3564720"/>
+              <a:ext cx="4468320" cy="3564360"/>
             </a:xfrm>
             <a:prstGeom prst="rect">
               <a:avLst/>
@@ -8331,8 +8331,8 @@
           </p:nvSpPr>
           <p:spPr>
             <a:xfrm rot="16200000">
-              <a:off x="5962680" y="1158480"/>
-              <a:ext cx="1737720" cy="2771640"/>
+              <a:off x="5962680" y="1158840"/>
+              <a:ext cx="1737360" cy="2771280"/>
             </a:xfrm>
             <a:prstGeom prst="roundRect">
               <a:avLst>
@@ -8399,7 +8399,7 @@
         <p:spPr>
           <a:xfrm>
             <a:off x="586440" y="1246680"/>
-            <a:ext cx="4004640" cy="3600360"/>
+            <a:ext cx="4004280" cy="3600000"/>
           </a:xfrm>
           <a:prstGeom prst="rect">
             <a:avLst/>
@@ -8451,7 +8451,7 @@
         <p:spPr>
           <a:xfrm>
             <a:off x="5446080" y="1672200"/>
-            <a:ext cx="2780640" cy="1737720"/>
+            <a:ext cx="2780280" cy="1737360"/>
           </a:xfrm>
           <a:prstGeom prst="rect">
             <a:avLst/>
@@ -8503,7 +8503,7 @@
         <p:spPr>
           <a:xfrm>
             <a:off x="586440" y="453960"/>
-            <a:ext cx="3697200" cy="855720"/>
+            <a:ext cx="3696840" cy="855360"/>
           </a:xfrm>
           <a:prstGeom prst="rect">
             <a:avLst/>
@@ -8592,7 +8592,7 @@
         <p:spPr>
           <a:xfrm>
             <a:off x="4222080" y="1246680"/>
-            <a:ext cx="4115520" cy="3600360"/>
+            <a:ext cx="4115160" cy="3600000"/>
           </a:xfrm>
           <a:prstGeom prst="rect">
             <a:avLst/>
@@ -8643,8 +8643,8 @@
         </p:nvSpPr>
         <p:spPr>
           <a:xfrm rot="16200000">
-            <a:off x="-2181600" y="1733040"/>
-            <a:ext cx="5144400" cy="1684440"/>
+            <a:off x="-2181600" y="1733400"/>
+            <a:ext cx="5144040" cy="1684080"/>
           </a:xfrm>
           <a:prstGeom prst="roundRect">
             <a:avLst>
@@ -8681,8 +8681,8 @@
         </p:nvSpPr>
         <p:spPr>
           <a:xfrm rot="2745000">
-            <a:off x="8575200" y="104040"/>
-            <a:ext cx="1132920" cy="1132560"/>
+            <a:off x="8575200" y="103680"/>
+            <a:ext cx="1132560" cy="1132200"/>
           </a:xfrm>
           <a:prstGeom prst="roundRect">
             <a:avLst>
@@ -8719,8 +8719,8 @@
         </p:nvSpPr>
         <p:spPr>
           <a:xfrm rot="16200000">
-            <a:off x="614880" y="918360"/>
-            <a:ext cx="3232440" cy="3314160"/>
+            <a:off x="614880" y="918720"/>
+            <a:ext cx="3232080" cy="3313800"/>
           </a:xfrm>
           <a:prstGeom prst="roundRect">
             <a:avLst>
@@ -8786,7 +8786,7 @@
         <p:spPr>
           <a:xfrm>
             <a:off x="4214160" y="456120"/>
-            <a:ext cx="4112280" cy="855720"/>
+            <a:ext cx="4111920" cy="855360"/>
           </a:xfrm>
           <a:prstGeom prst="rect">
             <a:avLst/>
@@ -8874,8 +8874,8 @@
         </p:nvSpPr>
         <p:spPr>
           <a:xfrm rot="2744400">
-            <a:off x="-281520" y="-25920"/>
-            <a:ext cx="704880" cy="704520"/>
+            <a:off x="-281160" y="-25920"/>
+            <a:ext cx="704520" cy="704160"/>
           </a:xfrm>
           <a:prstGeom prst="roundRect">
             <a:avLst>
@@ -8913,7 +8913,7 @@
         <p:spPr>
           <a:xfrm rot="2332200">
             <a:off x="6009480" y="-319680"/>
-            <a:ext cx="4856040" cy="7727040"/>
+            <a:ext cx="4855680" cy="7726680"/>
           </a:xfrm>
           <a:prstGeom prst="roundRect">
             <a:avLst>
@@ -8951,9 +8951,9 @@
         <p:grpSpPr>
           <a:xfrm>
             <a:off x="4571640" y="828000"/>
-            <a:ext cx="4468680" cy="3564720"/>
+            <a:ext cx="4468320" cy="3564360"/>
             <a:chOff x="4571640" y="828000"/>
-            <a:chExt cx="4468680" cy="3564720"/>
+            <a:chExt cx="4468320" cy="3564360"/>
           </a:xfrm>
         </p:grpSpPr>
         <p:pic>
@@ -8969,7 +8969,7 @@
           <p:spPr>
             <a:xfrm>
               <a:off x="4571640" y="828000"/>
-              <a:ext cx="4468680" cy="3564720"/>
+              <a:ext cx="4468320" cy="3564360"/>
             </a:xfrm>
             <a:prstGeom prst="rect">
               <a:avLst/>
@@ -8987,8 +8987,8 @@
           </p:nvSpPr>
           <p:spPr>
             <a:xfrm rot="16200000">
-              <a:off x="5962680" y="1158480"/>
-              <a:ext cx="1737720" cy="2771640"/>
+              <a:off x="5962680" y="1158840"/>
+              <a:ext cx="1737360" cy="2771280"/>
             </a:xfrm>
             <a:prstGeom prst="roundRect">
               <a:avLst>
@@ -9055,7 +9055,7 @@
         <p:spPr>
           <a:xfrm>
             <a:off x="5446080" y="1672200"/>
-            <a:ext cx="2771280" cy="1737720"/>
+            <a:ext cx="2770920" cy="1737360"/>
           </a:xfrm>
           <a:prstGeom prst="rect">
             <a:avLst/>
@@ -9107,7 +9107,7 @@
         <p:spPr>
           <a:xfrm>
             <a:off x="586440" y="1246680"/>
-            <a:ext cx="4004640" cy="3600360"/>
+            <a:ext cx="4004280" cy="3600000"/>
           </a:xfrm>
           <a:prstGeom prst="rect">
             <a:avLst/>
@@ -9159,7 +9159,7 @@
         <p:spPr>
           <a:xfrm>
             <a:off x="586440" y="453960"/>
-            <a:ext cx="4764600" cy="855720"/>
+            <a:ext cx="4764240" cy="855360"/>
           </a:xfrm>
           <a:prstGeom prst="rect">
             <a:avLst/>
@@ -9248,7 +9248,7 @@
         <p:spPr>
           <a:xfrm rot="2745600">
             <a:off x="8349840" y="-668160"/>
-            <a:ext cx="1498680" cy="1498680"/>
+            <a:ext cx="1498320" cy="1498320"/>
           </a:xfrm>
           <a:prstGeom prst="roundRect">
             <a:avLst>
@@ -9285,8 +9285,8 @@
         </p:nvSpPr>
         <p:spPr>
           <a:xfrm rot="2745600">
-            <a:off x="7634160" y="-322560"/>
-            <a:ext cx="807480" cy="807840"/>
+            <a:off x="7634160" y="-322200"/>
+            <a:ext cx="807120" cy="807480"/>
           </a:xfrm>
           <a:prstGeom prst="roundRect">
             <a:avLst>
@@ -9325,7 +9325,7 @@
         <p:spPr>
           <a:xfrm>
             <a:off x="586440" y="899640"/>
-            <a:ext cx="7932240" cy="1537560"/>
+            <a:ext cx="7931880" cy="1537200"/>
           </a:xfrm>
           <a:prstGeom prst="rect">
             <a:avLst/>
@@ -9377,7 +9377,7 @@
         <p:spPr>
           <a:xfrm>
             <a:off x="608040" y="2545560"/>
-            <a:ext cx="3712680" cy="2256120"/>
+            <a:ext cx="3712320" cy="2255760"/>
           </a:xfrm>
           <a:prstGeom prst="rect">
             <a:avLst/>
@@ -9429,7 +9429,7 @@
         <p:spPr>
           <a:xfrm>
             <a:off x="4806360" y="2545560"/>
-            <a:ext cx="3712680" cy="2256120"/>
+            <a:ext cx="3712320" cy="2255760"/>
           </a:xfrm>
           <a:prstGeom prst="rect">
             <a:avLst/>
@@ -9481,7 +9481,7 @@
         <p:spPr>
           <a:xfrm>
             <a:off x="583200" y="450720"/>
-            <a:ext cx="7198560" cy="512640"/>
+            <a:ext cx="7198200" cy="512280"/>
           </a:xfrm>
           <a:prstGeom prst="rect">
             <a:avLst/>
@@ -9563,7 +9563,7 @@
         <p:spPr>
           <a:xfrm>
             <a:off x="586440" y="1246680"/>
-            <a:ext cx="4004640" cy="3600360"/>
+            <a:ext cx="4004280" cy="3600000"/>
           </a:xfrm>
           <a:prstGeom prst="rect">
             <a:avLst/>
@@ -9615,7 +9615,7 @@
         <p:spPr>
           <a:xfrm>
             <a:off x="559800" y="446040"/>
-            <a:ext cx="4284000" cy="684000"/>
+            <a:ext cx="4283640" cy="683640"/>
           </a:xfrm>
           <a:prstGeom prst="rect">
             <a:avLst/>
@@ -9667,7 +9667,7 @@
         <p:spPr>
           <a:xfrm>
             <a:off x="5097600" y="360"/>
-            <a:ext cx="4380120" cy="5144400"/>
+            <a:ext cx="4379760" cy="5144040"/>
           </a:xfrm>
           <a:prstGeom prst="roundRect">
             <a:avLst>
@@ -9732,8 +9732,8 @@
         </p:nvSpPr>
         <p:spPr>
           <a:xfrm rot="2744400">
-            <a:off x="-281520" y="-25920"/>
-            <a:ext cx="704880" cy="704520"/>
+            <a:off x="-281160" y="-25920"/>
+            <a:ext cx="704520" cy="704160"/>
           </a:xfrm>
           <a:prstGeom prst="roundRect">
             <a:avLst>
@@ -9771,7 +9771,7 @@
         <p:spPr>
           <a:xfrm rot="2625600">
             <a:off x="4861080" y="4146840"/>
-            <a:ext cx="468720" cy="468720"/>
+            <a:ext cx="468360" cy="468360"/>
           </a:xfrm>
           <a:prstGeom prst="roundRect">
             <a:avLst>
@@ -9845,8 +9845,8 @@
         </p:nvSpPr>
         <p:spPr>
           <a:xfrm rot="2744400">
-            <a:off x="-350640" y="4540320"/>
-            <a:ext cx="704880" cy="704520"/>
+            <a:off x="-350280" y="4539960"/>
+            <a:ext cx="704520" cy="704160"/>
           </a:xfrm>
           <a:prstGeom prst="roundRect">
             <a:avLst>
@@ -9883,8 +9883,8 @@
         </p:nvSpPr>
         <p:spPr>
           <a:xfrm rot="19228200">
-            <a:off x="5846760" y="-2266920"/>
-            <a:ext cx="4855680" cy="7726680"/>
+            <a:off x="5846400" y="-2266560"/>
+            <a:ext cx="4855320" cy="7726320"/>
           </a:xfrm>
           <a:prstGeom prst="roundRect">
             <a:avLst>
@@ -9922,9 +9922,9 @@
         <p:grpSpPr>
           <a:xfrm>
             <a:off x="4571640" y="828000"/>
-            <a:ext cx="4468680" cy="3564720"/>
+            <a:ext cx="4468320" cy="3564360"/>
             <a:chOff x="4571640" y="828000"/>
-            <a:chExt cx="4468680" cy="3564720"/>
+            <a:chExt cx="4468320" cy="3564360"/>
           </a:xfrm>
         </p:grpSpPr>
         <p:pic>
@@ -9940,7 +9940,7 @@
           <p:spPr>
             <a:xfrm>
               <a:off x="4571640" y="828000"/>
-              <a:ext cx="4468680" cy="3564720"/>
+              <a:ext cx="4468320" cy="3564360"/>
             </a:xfrm>
             <a:prstGeom prst="rect">
               <a:avLst/>
@@ -9958,8 +9958,8 @@
           </p:nvSpPr>
           <p:spPr>
             <a:xfrm rot="16200000">
-              <a:off x="5962680" y="1158480"/>
-              <a:ext cx="1737720" cy="2771640"/>
+              <a:off x="5962680" y="1158840"/>
+              <a:ext cx="1737360" cy="2771280"/>
             </a:xfrm>
             <a:prstGeom prst="roundRect">
               <a:avLst>
@@ -10026,7 +10026,7 @@
         <p:spPr>
           <a:xfrm>
             <a:off x="586440" y="1246680"/>
-            <a:ext cx="4004640" cy="3600360"/>
+            <a:ext cx="4004280" cy="3600000"/>
           </a:xfrm>
           <a:prstGeom prst="rect">
             <a:avLst/>
@@ -10078,7 +10078,7 @@
         <p:spPr>
           <a:xfrm>
             <a:off x="5446080" y="1672200"/>
-            <a:ext cx="2780640" cy="1737720"/>
+            <a:ext cx="2780280" cy="1737360"/>
           </a:xfrm>
           <a:prstGeom prst="rect">
             <a:avLst/>
@@ -10130,7 +10130,7 @@
         <p:spPr>
           <a:xfrm>
             <a:off x="586440" y="453960"/>
-            <a:ext cx="3697200" cy="855720"/>
+            <a:ext cx="3696840" cy="855360"/>
           </a:xfrm>
           <a:prstGeom prst="rect">
             <a:avLst/>
@@ -10219,7 +10219,7 @@
         <p:spPr>
           <a:xfrm>
             <a:off x="4222080" y="1246680"/>
-            <a:ext cx="4115520" cy="3600360"/>
+            <a:ext cx="4115160" cy="3600000"/>
           </a:xfrm>
           <a:prstGeom prst="rect">
             <a:avLst/>
@@ -10270,8 +10270,8 @@
         </p:nvSpPr>
         <p:spPr>
           <a:xfrm rot="16200000">
-            <a:off x="-2181600" y="1733040"/>
-            <a:ext cx="5144400" cy="1684440"/>
+            <a:off x="-2181600" y="1733400"/>
+            <a:ext cx="5144040" cy="1684080"/>
           </a:xfrm>
           <a:prstGeom prst="roundRect">
             <a:avLst>
@@ -10308,8 +10308,8 @@
         </p:nvSpPr>
         <p:spPr>
           <a:xfrm rot="2745000">
-            <a:off x="8575200" y="104040"/>
-            <a:ext cx="1132920" cy="1132560"/>
+            <a:off x="8575200" y="103680"/>
+            <a:ext cx="1132560" cy="1132200"/>
           </a:xfrm>
           <a:prstGeom prst="roundRect">
             <a:avLst>
@@ -10346,8 +10346,8 @@
         </p:nvSpPr>
         <p:spPr>
           <a:xfrm rot="16200000">
-            <a:off x="614880" y="918360"/>
-            <a:ext cx="3232440" cy="3314160"/>
+            <a:off x="614880" y="918720"/>
+            <a:ext cx="3232080" cy="3313800"/>
           </a:xfrm>
           <a:prstGeom prst="roundRect">
             <a:avLst>
@@ -10413,7 +10413,7 @@
         <p:spPr>
           <a:xfrm>
             <a:off x="4214160" y="456120"/>
-            <a:ext cx="4112280" cy="855720"/>
+            <a:ext cx="4111920" cy="855360"/>
           </a:xfrm>
           <a:prstGeom prst="rect">
             <a:avLst/>
@@ -10495,7 +10495,7 @@
         <p:spPr>
           <a:xfrm>
             <a:off x="586440" y="1246680"/>
-            <a:ext cx="4004640" cy="3600360"/>
+            <a:ext cx="4004280" cy="3600000"/>
           </a:xfrm>
           <a:prstGeom prst="rect">
             <a:avLst/>
@@ -10547,7 +10547,7 @@
         <p:spPr>
           <a:xfrm>
             <a:off x="559800" y="446040"/>
-            <a:ext cx="4284000" cy="684000"/>
+            <a:ext cx="4283640" cy="683640"/>
           </a:xfrm>
           <a:prstGeom prst="rect">
             <a:avLst/>
@@ -10599,7 +10599,7 @@
         <p:spPr>
           <a:xfrm>
             <a:off x="5097600" y="360"/>
-            <a:ext cx="4380120" cy="5144400"/>
+            <a:ext cx="4379760" cy="5144040"/>
           </a:xfrm>
           <a:prstGeom prst="roundRect">
             <a:avLst>
@@ -10664,8 +10664,8 @@
         </p:nvSpPr>
         <p:spPr>
           <a:xfrm rot="2744400">
-            <a:off x="-281520" y="-25920"/>
-            <a:ext cx="704880" cy="704520"/>
+            <a:off x="-281160" y="-25920"/>
+            <a:ext cx="704520" cy="704160"/>
           </a:xfrm>
           <a:prstGeom prst="roundRect">
             <a:avLst>
@@ -10703,7 +10703,7 @@
         <p:spPr>
           <a:xfrm rot="2625600">
             <a:off x="4861080" y="4146840"/>
-            <a:ext cx="468720" cy="468720"/>
+            <a:ext cx="468360" cy="468360"/>
           </a:xfrm>
           <a:prstGeom prst="roundRect">
             <a:avLst>
@@ -10777,8 +10777,8 @@
         </p:nvSpPr>
         <p:spPr>
           <a:xfrm rot="2744400">
-            <a:off x="-281520" y="-25920"/>
-            <a:ext cx="704880" cy="704520"/>
+            <a:off x="-281160" y="-25920"/>
+            <a:ext cx="704520" cy="704160"/>
           </a:xfrm>
           <a:prstGeom prst="roundRect">
             <a:avLst>
@@ -10816,7 +10816,7 @@
         <p:spPr>
           <a:xfrm rot="2332200">
             <a:off x="6009480" y="-319680"/>
-            <a:ext cx="4856040" cy="7727040"/>
+            <a:ext cx="4855680" cy="7726680"/>
           </a:xfrm>
           <a:prstGeom prst="roundRect">
             <a:avLst>
@@ -10854,9 +10854,9 @@
         <p:grpSpPr>
           <a:xfrm>
             <a:off x="4571640" y="828000"/>
-            <a:ext cx="4468680" cy="3564720"/>
+            <a:ext cx="4468320" cy="3564360"/>
             <a:chOff x="4571640" y="828000"/>
-            <a:chExt cx="4468680" cy="3564720"/>
+            <a:chExt cx="4468320" cy="3564360"/>
           </a:xfrm>
         </p:grpSpPr>
         <p:pic>
@@ -10872,7 +10872,7 @@
           <p:spPr>
             <a:xfrm>
               <a:off x="4571640" y="828000"/>
-              <a:ext cx="4468680" cy="3564720"/>
+              <a:ext cx="4468320" cy="3564360"/>
             </a:xfrm>
             <a:prstGeom prst="rect">
               <a:avLst/>
@@ -10890,8 +10890,8 @@
           </p:nvSpPr>
           <p:spPr>
             <a:xfrm rot="16200000">
-              <a:off x="5962680" y="1158480"/>
-              <a:ext cx="1737720" cy="2771640"/>
+              <a:off x="5962680" y="1158840"/>
+              <a:ext cx="1737360" cy="2771280"/>
             </a:xfrm>
             <a:prstGeom prst="roundRect">
               <a:avLst>
@@ -10958,7 +10958,7 @@
         <p:spPr>
           <a:xfrm>
             <a:off x="5446080" y="1672200"/>
-            <a:ext cx="2771280" cy="1737720"/>
+            <a:ext cx="2770920" cy="1737360"/>
           </a:xfrm>
           <a:prstGeom prst="rect">
             <a:avLst/>
@@ -11010,7 +11010,7 @@
         <p:spPr>
           <a:xfrm>
             <a:off x="586440" y="1246680"/>
-            <a:ext cx="4004640" cy="3600360"/>
+            <a:ext cx="4004280" cy="3600000"/>
           </a:xfrm>
           <a:prstGeom prst="rect">
             <a:avLst/>
@@ -11062,7 +11062,7 @@
         <p:spPr>
           <a:xfrm>
             <a:off x="586440" y="453960"/>
-            <a:ext cx="4764600" cy="855720"/>
+            <a:ext cx="4764240" cy="855360"/>
           </a:xfrm>
           <a:prstGeom prst="rect">
             <a:avLst/>
@@ -11151,7 +11151,7 @@
         <p:spPr>
           <a:xfrm rot="2745600">
             <a:off x="8349840" y="-668160"/>
-            <a:ext cx="1498680" cy="1498680"/>
+            <a:ext cx="1498320" cy="1498320"/>
           </a:xfrm>
           <a:prstGeom prst="roundRect">
             <a:avLst>
@@ -11188,8 +11188,8 @@
         </p:nvSpPr>
         <p:spPr>
           <a:xfrm rot="2745600">
-            <a:off x="7634160" y="-322560"/>
-            <a:ext cx="807480" cy="807840"/>
+            <a:off x="7634160" y="-322200"/>
+            <a:ext cx="807120" cy="807480"/>
           </a:xfrm>
           <a:prstGeom prst="roundRect">
             <a:avLst>
@@ -11228,7 +11228,7 @@
         <p:spPr>
           <a:xfrm>
             <a:off x="586440" y="899640"/>
-            <a:ext cx="7932240" cy="1537560"/>
+            <a:ext cx="7931880" cy="1537200"/>
           </a:xfrm>
           <a:prstGeom prst="rect">
             <a:avLst/>
@@ -11280,7 +11280,7 @@
         <p:spPr>
           <a:xfrm>
             <a:off x="608040" y="2545560"/>
-            <a:ext cx="3712680" cy="2256120"/>
+            <a:ext cx="3712320" cy="2255760"/>
           </a:xfrm>
           <a:prstGeom prst="rect">
             <a:avLst/>
@@ -11332,7 +11332,7 @@
         <p:spPr>
           <a:xfrm>
             <a:off x="4806360" y="2545560"/>
-            <a:ext cx="3712680" cy="2256120"/>
+            <a:ext cx="3712320" cy="2255760"/>
           </a:xfrm>
           <a:prstGeom prst="rect">
             <a:avLst/>
@@ -11384,7 +11384,7 @@
         <p:spPr>
           <a:xfrm>
             <a:off x="583200" y="450720"/>
-            <a:ext cx="7198560" cy="512640"/>
+            <a:ext cx="7198200" cy="512280"/>
           </a:xfrm>
           <a:prstGeom prst="rect">
             <a:avLst/>
@@ -11466,7 +11466,7 @@
         <p:spPr>
           <a:xfrm>
             <a:off x="586440" y="1246680"/>
-            <a:ext cx="4004640" cy="3600360"/>
+            <a:ext cx="4004280" cy="3600000"/>
           </a:xfrm>
           <a:prstGeom prst="rect">
             <a:avLst/>
@@ -11518,7 +11518,7 @@
         <p:spPr>
           <a:xfrm>
             <a:off x="559800" y="446040"/>
-            <a:ext cx="4284000" cy="684000"/>
+            <a:ext cx="4283640" cy="683640"/>
           </a:xfrm>
           <a:prstGeom prst="rect">
             <a:avLst/>
@@ -11570,7 +11570,7 @@
         <p:spPr>
           <a:xfrm>
             <a:off x="5097600" y="360"/>
-            <a:ext cx="4380120" cy="5144400"/>
+            <a:ext cx="4379760" cy="5144040"/>
           </a:xfrm>
           <a:prstGeom prst="roundRect">
             <a:avLst>
@@ -11635,8 +11635,8 @@
         </p:nvSpPr>
         <p:spPr>
           <a:xfrm rot="2744400">
-            <a:off x="-281520" y="-25920"/>
-            <a:ext cx="704880" cy="704520"/>
+            <a:off x="-281160" y="-25920"/>
+            <a:ext cx="704520" cy="704160"/>
           </a:xfrm>
           <a:prstGeom prst="roundRect">
             <a:avLst>
@@ -11674,7 +11674,7 @@
         <p:spPr>
           <a:xfrm rot="2625600">
             <a:off x="4861080" y="4146840"/>
-            <a:ext cx="468720" cy="468720"/>
+            <a:ext cx="468360" cy="468360"/>
           </a:xfrm>
           <a:prstGeom prst="roundRect">
             <a:avLst>
@@ -11748,8 +11748,8 @@
         </p:nvSpPr>
         <p:spPr>
           <a:xfrm rot="2744400">
-            <a:off x="-350640" y="4540320"/>
-            <a:ext cx="704880" cy="704520"/>
+            <a:off x="-350280" y="4539960"/>
+            <a:ext cx="704520" cy="704160"/>
           </a:xfrm>
           <a:prstGeom prst="roundRect">
             <a:avLst>
@@ -11786,8 +11786,8 @@
         </p:nvSpPr>
         <p:spPr>
           <a:xfrm rot="19228200">
-            <a:off x="5846760" y="-2266920"/>
-            <a:ext cx="4855680" cy="7726680"/>
+            <a:off x="5846400" y="-2266560"/>
+            <a:ext cx="4855320" cy="7726320"/>
           </a:xfrm>
           <a:prstGeom prst="roundRect">
             <a:avLst>
@@ -11825,9 +11825,9 @@
         <p:grpSpPr>
           <a:xfrm>
             <a:off x="4571640" y="828000"/>
-            <a:ext cx="4468680" cy="3564720"/>
+            <a:ext cx="4468320" cy="3564360"/>
             <a:chOff x="4571640" y="828000"/>
-            <a:chExt cx="4468680" cy="3564720"/>
+            <a:chExt cx="4468320" cy="3564360"/>
           </a:xfrm>
         </p:grpSpPr>
         <p:pic>
@@ -11843,7 +11843,7 @@
           <p:spPr>
             <a:xfrm>
               <a:off x="4571640" y="828000"/>
-              <a:ext cx="4468680" cy="3564720"/>
+              <a:ext cx="4468320" cy="3564360"/>
             </a:xfrm>
             <a:prstGeom prst="rect">
               <a:avLst/>
@@ -11861,8 +11861,8 @@
           </p:nvSpPr>
           <p:spPr>
             <a:xfrm rot="16200000">
-              <a:off x="5962680" y="1158480"/>
-              <a:ext cx="1737720" cy="2771640"/>
+              <a:off x="5962680" y="1158840"/>
+              <a:ext cx="1737360" cy="2771280"/>
             </a:xfrm>
             <a:prstGeom prst="roundRect">
               <a:avLst>
@@ -11929,7 +11929,7 @@
         <p:spPr>
           <a:xfrm>
             <a:off x="586440" y="1246680"/>
-            <a:ext cx="4004640" cy="3600360"/>
+            <a:ext cx="4004280" cy="3600000"/>
           </a:xfrm>
           <a:prstGeom prst="rect">
             <a:avLst/>
@@ -11981,7 +11981,7 @@
         <p:spPr>
           <a:xfrm>
             <a:off x="5446080" y="1672200"/>
-            <a:ext cx="2780640" cy="1737720"/>
+            <a:ext cx="2780280" cy="1737360"/>
           </a:xfrm>
           <a:prstGeom prst="rect">
             <a:avLst/>
@@ -12033,7 +12033,7 @@
         <p:spPr>
           <a:xfrm>
             <a:off x="586440" y="453960"/>
-            <a:ext cx="3697200" cy="855720"/>
+            <a:ext cx="3696840" cy="855360"/>
           </a:xfrm>
           <a:prstGeom prst="rect">
             <a:avLst/>
@@ -12122,7 +12122,7 @@
         <p:spPr>
           <a:xfrm>
             <a:off x="4222080" y="1246680"/>
-            <a:ext cx="4115520" cy="3600360"/>
+            <a:ext cx="4115160" cy="3600000"/>
           </a:xfrm>
           <a:prstGeom prst="rect">
             <a:avLst/>
@@ -12173,8 +12173,8 @@
         </p:nvSpPr>
         <p:spPr>
           <a:xfrm rot="16200000">
-            <a:off x="-2181600" y="1733040"/>
-            <a:ext cx="5144400" cy="1684440"/>
+            <a:off x="-2181600" y="1733400"/>
+            <a:ext cx="5144040" cy="1684080"/>
           </a:xfrm>
           <a:prstGeom prst="roundRect">
             <a:avLst>
@@ -12211,8 +12211,8 @@
         </p:nvSpPr>
         <p:spPr>
           <a:xfrm rot="2745000">
-            <a:off x="8575200" y="104040"/>
-            <a:ext cx="1132920" cy="1132560"/>
+            <a:off x="8575200" y="103680"/>
+            <a:ext cx="1132560" cy="1132200"/>
           </a:xfrm>
           <a:prstGeom prst="roundRect">
             <a:avLst>
@@ -12249,8 +12249,8 @@
         </p:nvSpPr>
         <p:spPr>
           <a:xfrm rot="16200000">
-            <a:off x="614880" y="918360"/>
-            <a:ext cx="3232440" cy="3314160"/>
+            <a:off x="614880" y="918720"/>
+            <a:ext cx="3232080" cy="3313800"/>
           </a:xfrm>
           <a:prstGeom prst="roundRect">
             <a:avLst>
@@ -12316,7 +12316,7 @@
         <p:spPr>
           <a:xfrm>
             <a:off x="4214160" y="456120"/>
-            <a:ext cx="4112280" cy="855720"/>
+            <a:ext cx="4111920" cy="855360"/>
           </a:xfrm>
           <a:prstGeom prst="rect">
             <a:avLst/>
@@ -12404,8 +12404,8 @@
         </p:nvSpPr>
         <p:spPr>
           <a:xfrm rot="2744400">
-            <a:off x="-281520" y="-25920"/>
-            <a:ext cx="704880" cy="704520"/>
+            <a:off x="-281160" y="-25920"/>
+            <a:ext cx="704520" cy="704160"/>
           </a:xfrm>
           <a:prstGeom prst="roundRect">
             <a:avLst>
@@ -12443,7 +12443,7 @@
         <p:spPr>
           <a:xfrm rot="2332200">
             <a:off x="6009480" y="-319680"/>
-            <a:ext cx="4856040" cy="7727040"/>
+            <a:ext cx="4855680" cy="7726680"/>
           </a:xfrm>
           <a:prstGeom prst="roundRect">
             <a:avLst>
@@ -12481,9 +12481,9 @@
         <p:grpSpPr>
           <a:xfrm>
             <a:off x="4571640" y="828000"/>
-            <a:ext cx="4468680" cy="3564720"/>
+            <a:ext cx="4468320" cy="3564360"/>
             <a:chOff x="4571640" y="828000"/>
-            <a:chExt cx="4468680" cy="3564720"/>
+            <a:chExt cx="4468320" cy="3564360"/>
           </a:xfrm>
         </p:grpSpPr>
         <p:pic>
@@ -12499,7 +12499,7 @@
           <p:spPr>
             <a:xfrm>
               <a:off x="4571640" y="828000"/>
-              <a:ext cx="4468680" cy="3564720"/>
+              <a:ext cx="4468320" cy="3564360"/>
             </a:xfrm>
             <a:prstGeom prst="rect">
               <a:avLst/>
@@ -12517,8 +12517,8 @@
           </p:nvSpPr>
           <p:spPr>
             <a:xfrm rot="16200000">
-              <a:off x="5962680" y="1158480"/>
-              <a:ext cx="1737720" cy="2771640"/>
+              <a:off x="5962680" y="1158840"/>
+              <a:ext cx="1737360" cy="2771280"/>
             </a:xfrm>
             <a:prstGeom prst="roundRect">
               <a:avLst>
@@ -12585,7 +12585,7 @@
         <p:spPr>
           <a:xfrm>
             <a:off x="5446080" y="1672200"/>
-            <a:ext cx="2771280" cy="1737720"/>
+            <a:ext cx="2770920" cy="1737360"/>
           </a:xfrm>
           <a:prstGeom prst="rect">
             <a:avLst/>
@@ -12637,7 +12637,7 @@
         <p:spPr>
           <a:xfrm>
             <a:off x="586440" y="1246680"/>
-            <a:ext cx="4004640" cy="3600360"/>
+            <a:ext cx="4004280" cy="3600000"/>
           </a:xfrm>
           <a:prstGeom prst="rect">
             <a:avLst/>
@@ -12689,7 +12689,7 @@
         <p:spPr>
           <a:xfrm>
             <a:off x="586440" y="453960"/>
-            <a:ext cx="4764600" cy="855720"/>
+            <a:ext cx="4764240" cy="855360"/>
           </a:xfrm>
           <a:prstGeom prst="rect">
             <a:avLst/>
@@ -12778,7 +12778,7 @@
         <p:spPr>
           <a:xfrm rot="2745600">
             <a:off x="8349840" y="-668160"/>
-            <a:ext cx="1498680" cy="1498680"/>
+            <a:ext cx="1498320" cy="1498320"/>
           </a:xfrm>
           <a:prstGeom prst="roundRect">
             <a:avLst>
@@ -12815,8 +12815,8 @@
         </p:nvSpPr>
         <p:spPr>
           <a:xfrm rot="2745600">
-            <a:off x="7634160" y="-322560"/>
-            <a:ext cx="807480" cy="807840"/>
+            <a:off x="7634160" y="-322200"/>
+            <a:ext cx="807120" cy="807480"/>
           </a:xfrm>
           <a:prstGeom prst="roundRect">
             <a:avLst>
@@ -12855,7 +12855,7 @@
         <p:spPr>
           <a:xfrm>
             <a:off x="586440" y="899640"/>
-            <a:ext cx="7932240" cy="1537560"/>
+            <a:ext cx="7931880" cy="1537200"/>
           </a:xfrm>
           <a:prstGeom prst="rect">
             <a:avLst/>
@@ -12907,7 +12907,7 @@
         <p:spPr>
           <a:xfrm>
             <a:off x="608040" y="2545560"/>
-            <a:ext cx="3712680" cy="2256120"/>
+            <a:ext cx="3712320" cy="2255760"/>
           </a:xfrm>
           <a:prstGeom prst="rect">
             <a:avLst/>
@@ -12959,7 +12959,7 @@
         <p:spPr>
           <a:xfrm>
             <a:off x="4806360" y="2545560"/>
-            <a:ext cx="3712680" cy="2256120"/>
+            <a:ext cx="3712320" cy="2255760"/>
           </a:xfrm>
           <a:prstGeom prst="rect">
             <a:avLst/>
@@ -13011,7 +13011,7 @@
         <p:spPr>
           <a:xfrm>
             <a:off x="583200" y="450720"/>
-            <a:ext cx="7198560" cy="512640"/>
+            <a:ext cx="7198200" cy="512280"/>
           </a:xfrm>
           <a:prstGeom prst="rect">
             <a:avLst/>
@@ -13099,8 +13099,8 @@
         </p:nvSpPr>
         <p:spPr>
           <a:xfrm rot="2744400">
-            <a:off x="-281520" y="-25920"/>
-            <a:ext cx="704880" cy="704520"/>
+            <a:off x="-281160" y="-25920"/>
+            <a:ext cx="704520" cy="704160"/>
           </a:xfrm>
           <a:prstGeom prst="roundRect">
             <a:avLst>
@@ -13138,7 +13138,7 @@
         <p:spPr>
           <a:xfrm>
             <a:off x="569160" y="1888920"/>
-            <a:ext cx="4821480" cy="820800"/>
+            <a:ext cx="4821120" cy="820800"/>
           </a:xfrm>
           <a:prstGeom prst="rect">
             <a:avLst/>
@@ -13189,8 +13189,8 @@
         </p:nvSpPr>
         <p:spPr>
           <a:xfrm rot="18679800">
-            <a:off x="6782400" y="457560"/>
-            <a:ext cx="6251040" cy="4666680"/>
+            <a:off x="6782040" y="457560"/>
+            <a:ext cx="6250680" cy="4666320"/>
           </a:xfrm>
           <a:prstGeom prst="roundRect">
             <a:avLst>
@@ -13228,7 +13228,7 @@
         <p:spPr>
           <a:xfrm rot="2625600">
             <a:off x="6024960" y="4332960"/>
-            <a:ext cx="468720" cy="468720"/>
+            <a:ext cx="468360" cy="468360"/>
           </a:xfrm>
           <a:prstGeom prst="roundRect">
             <a:avLst>
@@ -13266,7 +13266,7 @@
         <p:spPr>
           <a:xfrm>
             <a:off x="1640880" y="4592880"/>
-            <a:ext cx="2995920" cy="266760"/>
+            <a:ext cx="2995560" cy="266400"/>
           </a:xfrm>
           <a:prstGeom prst="rect">
             <a:avLst/>
@@ -13328,7 +13328,7 @@
         <p:spPr>
           <a:xfrm>
             <a:off x="867240" y="3590280"/>
-            <a:ext cx="253800" cy="254160"/>
+            <a:ext cx="253440" cy="253800"/>
           </a:xfrm>
           <a:prstGeom prst="ellipse">
             <a:avLst/>
@@ -13363,7 +13363,7 @@
         <p:spPr>
           <a:xfrm>
             <a:off x="351000" y="3793320"/>
-            <a:ext cx="1286280" cy="1131840"/>
+            <a:ext cx="1285920" cy="1131480"/>
           </a:xfrm>
           <a:prstGeom prst="rect">
             <a:avLst/>
@@ -13418,8 +13418,8 @@
         </p:nvSpPr>
         <p:spPr>
           <a:xfrm rot="2744400">
-            <a:off x="-350640" y="4540320"/>
-            <a:ext cx="704880" cy="704520"/>
+            <a:off x="-350280" y="4539960"/>
+            <a:ext cx="704520" cy="704160"/>
           </a:xfrm>
           <a:prstGeom prst="roundRect">
             <a:avLst>
@@ -13456,8 +13456,8 @@
         </p:nvSpPr>
         <p:spPr>
           <a:xfrm rot="19228200">
-            <a:off x="5846760" y="-2266920"/>
-            <a:ext cx="4855680" cy="7726680"/>
+            <a:off x="5846400" y="-2266560"/>
+            <a:ext cx="4855320" cy="7726320"/>
           </a:xfrm>
           <a:prstGeom prst="roundRect">
             <a:avLst>
@@ -13495,9 +13495,9 @@
         <p:grpSpPr>
           <a:xfrm>
             <a:off x="4571640" y="828000"/>
-            <a:ext cx="4468680" cy="3564720"/>
+            <a:ext cx="4468320" cy="3564360"/>
             <a:chOff x="4571640" y="828000"/>
-            <a:chExt cx="4468680" cy="3564720"/>
+            <a:chExt cx="4468320" cy="3564360"/>
           </a:xfrm>
         </p:grpSpPr>
         <p:pic>
@@ -13513,7 +13513,7 @@
           <p:spPr>
             <a:xfrm>
               <a:off x="4571640" y="828000"/>
-              <a:ext cx="4468680" cy="3564720"/>
+              <a:ext cx="4468320" cy="3564360"/>
             </a:xfrm>
             <a:prstGeom prst="rect">
               <a:avLst/>
@@ -13531,8 +13531,8 @@
           </p:nvSpPr>
           <p:spPr>
             <a:xfrm rot="16200000">
-              <a:off x="5962680" y="1158480"/>
-              <a:ext cx="1737720" cy="2771640"/>
+              <a:off x="5962680" y="1158840"/>
+              <a:ext cx="1737360" cy="2771280"/>
             </a:xfrm>
             <a:prstGeom prst="roundRect">
               <a:avLst>
@@ -13599,7 +13599,7 @@
         <p:spPr>
           <a:xfrm>
             <a:off x="586440" y="1246680"/>
-            <a:ext cx="4004640" cy="3600360"/>
+            <a:ext cx="4004280" cy="3600000"/>
           </a:xfrm>
           <a:prstGeom prst="rect">
             <a:avLst/>
@@ -13651,7 +13651,7 @@
         <p:spPr>
           <a:xfrm>
             <a:off x="5446080" y="1672200"/>
-            <a:ext cx="2780640" cy="1737720"/>
+            <a:ext cx="2780280" cy="1737360"/>
           </a:xfrm>
           <a:prstGeom prst="rect">
             <a:avLst/>
@@ -13703,7 +13703,7 @@
         <p:spPr>
           <a:xfrm>
             <a:off x="586440" y="453960"/>
-            <a:ext cx="3697200" cy="855720"/>
+            <a:ext cx="3696840" cy="855360"/>
           </a:xfrm>
           <a:prstGeom prst="rect">
             <a:avLst/>
@@ -13792,7 +13792,7 @@
         <p:spPr>
           <a:xfrm>
             <a:off x="4222080" y="1246680"/>
-            <a:ext cx="4115520" cy="3600360"/>
+            <a:ext cx="4115160" cy="3600000"/>
           </a:xfrm>
           <a:prstGeom prst="rect">
             <a:avLst/>
@@ -13843,8 +13843,8 @@
         </p:nvSpPr>
         <p:spPr>
           <a:xfrm rot="16200000">
-            <a:off x="-2181600" y="1733040"/>
-            <a:ext cx="5144400" cy="1684440"/>
+            <a:off x="-2181600" y="1733400"/>
+            <a:ext cx="5144040" cy="1684080"/>
           </a:xfrm>
           <a:prstGeom prst="roundRect">
             <a:avLst>
@@ -13881,8 +13881,8 @@
         </p:nvSpPr>
         <p:spPr>
           <a:xfrm rot="2745000">
-            <a:off x="8575200" y="104040"/>
-            <a:ext cx="1132920" cy="1132560"/>
+            <a:off x="8575200" y="103680"/>
+            <a:ext cx="1132560" cy="1132200"/>
           </a:xfrm>
           <a:prstGeom prst="roundRect">
             <a:avLst>
@@ -13919,8 +13919,8 @@
         </p:nvSpPr>
         <p:spPr>
           <a:xfrm rot="16200000">
-            <a:off x="614880" y="918360"/>
-            <a:ext cx="3232440" cy="3314160"/>
+            <a:off x="614880" y="918720"/>
+            <a:ext cx="3232080" cy="3313800"/>
           </a:xfrm>
           <a:prstGeom prst="roundRect">
             <a:avLst>
@@ -13986,7 +13986,7 @@
         <p:spPr>
           <a:xfrm>
             <a:off x="4214160" y="456120"/>
-            <a:ext cx="4112280" cy="855720"/>
+            <a:ext cx="4111920" cy="855360"/>
           </a:xfrm>
           <a:prstGeom prst="rect">
             <a:avLst/>
@@ -14074,8 +14074,8 @@
         </p:nvSpPr>
         <p:spPr>
           <a:xfrm rot="2744400">
-            <a:off x="-281520" y="-25920"/>
-            <a:ext cx="704880" cy="704520"/>
+            <a:off x="-281160" y="-25920"/>
+            <a:ext cx="704520" cy="704160"/>
           </a:xfrm>
           <a:prstGeom prst="roundRect">
             <a:avLst>
@@ -14113,7 +14113,7 @@
         <p:spPr>
           <a:xfrm rot="2332200">
             <a:off x="6009480" y="-319680"/>
-            <a:ext cx="4856040" cy="7727040"/>
+            <a:ext cx="4855680" cy="7726680"/>
           </a:xfrm>
           <a:prstGeom prst="roundRect">
             <a:avLst>
@@ -14151,9 +14151,9 @@
         <p:grpSpPr>
           <a:xfrm>
             <a:off x="4571640" y="828000"/>
-            <a:ext cx="4468680" cy="3564720"/>
+            <a:ext cx="4468320" cy="3564360"/>
             <a:chOff x="4571640" y="828000"/>
-            <a:chExt cx="4468680" cy="3564720"/>
+            <a:chExt cx="4468320" cy="3564360"/>
           </a:xfrm>
         </p:grpSpPr>
         <p:pic>
@@ -14169,7 +14169,7 @@
           <p:spPr>
             <a:xfrm>
               <a:off x="4571640" y="828000"/>
-              <a:ext cx="4468680" cy="3564720"/>
+              <a:ext cx="4468320" cy="3564360"/>
             </a:xfrm>
             <a:prstGeom prst="rect">
               <a:avLst/>
@@ -14187,8 +14187,8 @@
           </p:nvSpPr>
           <p:spPr>
             <a:xfrm rot="16200000">
-              <a:off x="5962680" y="1158480"/>
-              <a:ext cx="1737720" cy="2771640"/>
+              <a:off x="5962680" y="1158840"/>
+              <a:ext cx="1737360" cy="2771280"/>
             </a:xfrm>
             <a:prstGeom prst="roundRect">
               <a:avLst>
@@ -14255,7 +14255,7 @@
         <p:spPr>
           <a:xfrm>
             <a:off x="5446080" y="1672200"/>
-            <a:ext cx="2771280" cy="1737720"/>
+            <a:ext cx="2770920" cy="1737360"/>
           </a:xfrm>
           <a:prstGeom prst="rect">
             <a:avLst/>
@@ -14307,7 +14307,7 @@
         <p:spPr>
           <a:xfrm>
             <a:off x="586440" y="1246680"/>
-            <a:ext cx="4004640" cy="3600360"/>
+            <a:ext cx="4004280" cy="3600000"/>
           </a:xfrm>
           <a:prstGeom prst="rect">
             <a:avLst/>
@@ -14359,7 +14359,7 @@
         <p:spPr>
           <a:xfrm>
             <a:off x="586440" y="453960"/>
-            <a:ext cx="4764600" cy="855720"/>
+            <a:ext cx="4764240" cy="855360"/>
           </a:xfrm>
           <a:prstGeom prst="rect">
             <a:avLst/>
@@ -14448,7 +14448,7 @@
         <p:spPr>
           <a:xfrm rot="2745600">
             <a:off x="8349840" y="-668160"/>
-            <a:ext cx="1498680" cy="1498680"/>
+            <a:ext cx="1498320" cy="1498320"/>
           </a:xfrm>
           <a:prstGeom prst="roundRect">
             <a:avLst>
@@ -14485,8 +14485,8 @@
         </p:nvSpPr>
         <p:spPr>
           <a:xfrm rot="2745600">
-            <a:off x="7634160" y="-322560"/>
-            <a:ext cx="807480" cy="807840"/>
+            <a:off x="7634160" y="-322200"/>
+            <a:ext cx="807120" cy="807480"/>
           </a:xfrm>
           <a:prstGeom prst="roundRect">
             <a:avLst>
@@ -14525,7 +14525,7 @@
         <p:spPr>
           <a:xfrm>
             <a:off x="586440" y="899640"/>
-            <a:ext cx="7932240" cy="1537560"/>
+            <a:ext cx="7931880" cy="1537200"/>
           </a:xfrm>
           <a:prstGeom prst="rect">
             <a:avLst/>
@@ -14577,7 +14577,7 @@
         <p:spPr>
           <a:xfrm>
             <a:off x="608040" y="2545560"/>
-            <a:ext cx="3712680" cy="2256120"/>
+            <a:ext cx="3712320" cy="2255760"/>
           </a:xfrm>
           <a:prstGeom prst="rect">
             <a:avLst/>
@@ -14629,7 +14629,7 @@
         <p:spPr>
           <a:xfrm>
             <a:off x="4806360" y="2545560"/>
-            <a:ext cx="3712680" cy="2256120"/>
+            <a:ext cx="3712320" cy="2255760"/>
           </a:xfrm>
           <a:prstGeom prst="rect">
             <a:avLst/>
@@ -14681,7 +14681,7 @@
         <p:spPr>
           <a:xfrm>
             <a:off x="583200" y="450720"/>
-            <a:ext cx="7198560" cy="512640"/>
+            <a:ext cx="7198200" cy="512280"/>
           </a:xfrm>
           <a:prstGeom prst="rect">
             <a:avLst/>
@@ -14763,7 +14763,7 @@
         <p:spPr>
           <a:xfrm>
             <a:off x="586440" y="1246680"/>
-            <a:ext cx="4004640" cy="3600360"/>
+            <a:ext cx="4004280" cy="3600000"/>
           </a:xfrm>
           <a:prstGeom prst="rect">
             <a:avLst/>
@@ -14815,7 +14815,7 @@
         <p:spPr>
           <a:xfrm>
             <a:off x="559800" y="446040"/>
-            <a:ext cx="4284000" cy="684000"/>
+            <a:ext cx="4283640" cy="683640"/>
           </a:xfrm>
           <a:prstGeom prst="rect">
             <a:avLst/>
@@ -14867,7 +14867,7 @@
         <p:spPr>
           <a:xfrm>
             <a:off x="5097600" y="360"/>
-            <a:ext cx="4380120" cy="5144400"/>
+            <a:ext cx="4379760" cy="5144040"/>
           </a:xfrm>
           <a:prstGeom prst="roundRect">
             <a:avLst>
@@ -14932,8 +14932,8 @@
         </p:nvSpPr>
         <p:spPr>
           <a:xfrm rot="2744400">
-            <a:off x="-281520" y="-25920"/>
-            <a:ext cx="704880" cy="704520"/>
+            <a:off x="-281160" y="-25920"/>
+            <a:ext cx="704520" cy="704160"/>
           </a:xfrm>
           <a:prstGeom prst="roundRect">
             <a:avLst>
@@ -14971,7 +14971,7 @@
         <p:spPr>
           <a:xfrm rot="2625600">
             <a:off x="4861080" y="4146840"/>
-            <a:ext cx="468720" cy="468720"/>
+            <a:ext cx="468360" cy="468360"/>
           </a:xfrm>
           <a:prstGeom prst="roundRect">
             <a:avLst>
@@ -15045,8 +15045,8 @@
         </p:nvSpPr>
         <p:spPr>
           <a:xfrm rot="2744400">
-            <a:off x="-350640" y="4540320"/>
-            <a:ext cx="704880" cy="704520"/>
+            <a:off x="-350280" y="4539960"/>
+            <a:ext cx="704520" cy="704160"/>
           </a:xfrm>
           <a:prstGeom prst="roundRect">
             <a:avLst>
@@ -15083,8 +15083,8 @@
         </p:nvSpPr>
         <p:spPr>
           <a:xfrm rot="19228200">
-            <a:off x="5846760" y="-2266920"/>
-            <a:ext cx="4855680" cy="7726680"/>
+            <a:off x="5846400" y="-2266560"/>
+            <a:ext cx="4855320" cy="7726320"/>
           </a:xfrm>
           <a:prstGeom prst="roundRect">
             <a:avLst>
@@ -15122,9 +15122,9 @@
         <p:grpSpPr>
           <a:xfrm>
             <a:off x="4571640" y="828000"/>
-            <a:ext cx="4468680" cy="3564720"/>
+            <a:ext cx="4468320" cy="3564360"/>
             <a:chOff x="4571640" y="828000"/>
-            <a:chExt cx="4468680" cy="3564720"/>
+            <a:chExt cx="4468320" cy="3564360"/>
           </a:xfrm>
         </p:grpSpPr>
         <p:pic>
@@ -15140,7 +15140,7 @@
           <p:spPr>
             <a:xfrm>
               <a:off x="4571640" y="828000"/>
-              <a:ext cx="4468680" cy="3564720"/>
+              <a:ext cx="4468320" cy="3564360"/>
             </a:xfrm>
             <a:prstGeom prst="rect">
               <a:avLst/>
@@ -15158,8 +15158,8 @@
           </p:nvSpPr>
           <p:spPr>
             <a:xfrm rot="16200000">
-              <a:off x="5962680" y="1158480"/>
-              <a:ext cx="1737720" cy="2771640"/>
+              <a:off x="5962680" y="1158840"/>
+              <a:ext cx="1737360" cy="2771280"/>
             </a:xfrm>
             <a:prstGeom prst="roundRect">
               <a:avLst>
@@ -15226,7 +15226,7 @@
         <p:spPr>
           <a:xfrm>
             <a:off x="586440" y="1246680"/>
-            <a:ext cx="4004640" cy="3600360"/>
+            <a:ext cx="4004280" cy="3600000"/>
           </a:xfrm>
           <a:prstGeom prst="rect">
             <a:avLst/>
@@ -15278,7 +15278,7 @@
         <p:spPr>
           <a:xfrm>
             <a:off x="5446080" y="1672200"/>
-            <a:ext cx="2780640" cy="1737720"/>
+            <a:ext cx="2780280" cy="1737360"/>
           </a:xfrm>
           <a:prstGeom prst="rect">
             <a:avLst/>
@@ -15330,7 +15330,7 @@
         <p:spPr>
           <a:xfrm>
             <a:off x="586440" y="453960"/>
-            <a:ext cx="3697200" cy="855720"/>
+            <a:ext cx="3696840" cy="855360"/>
           </a:xfrm>
           <a:prstGeom prst="rect">
             <a:avLst/>
@@ -15419,7 +15419,7 @@
         <p:spPr>
           <a:xfrm>
             <a:off x="4222080" y="1246680"/>
-            <a:ext cx="4115520" cy="3600360"/>
+            <a:ext cx="4115160" cy="3600000"/>
           </a:xfrm>
           <a:prstGeom prst="rect">
             <a:avLst/>
@@ -15470,8 +15470,8 @@
         </p:nvSpPr>
         <p:spPr>
           <a:xfrm rot="16200000">
-            <a:off x="-2181600" y="1733040"/>
-            <a:ext cx="5144400" cy="1684440"/>
+            <a:off x="-2181600" y="1733400"/>
+            <a:ext cx="5144040" cy="1684080"/>
           </a:xfrm>
           <a:prstGeom prst="roundRect">
             <a:avLst>
@@ -15508,8 +15508,8 @@
         </p:nvSpPr>
         <p:spPr>
           <a:xfrm rot="2745000">
-            <a:off x="8575200" y="104040"/>
-            <a:ext cx="1132920" cy="1132560"/>
+            <a:off x="8575200" y="103680"/>
+            <a:ext cx="1132560" cy="1132200"/>
           </a:xfrm>
           <a:prstGeom prst="roundRect">
             <a:avLst>
@@ -15546,8 +15546,8 @@
         </p:nvSpPr>
         <p:spPr>
           <a:xfrm rot="16200000">
-            <a:off x="614880" y="918360"/>
-            <a:ext cx="3232440" cy="3314160"/>
+            <a:off x="614880" y="918720"/>
+            <a:ext cx="3232080" cy="3313800"/>
           </a:xfrm>
           <a:prstGeom prst="roundRect">
             <a:avLst>
@@ -15613,7 +15613,7 @@
         <p:spPr>
           <a:xfrm>
             <a:off x="4214160" y="456120"/>
-            <a:ext cx="4112280" cy="855720"/>
+            <a:ext cx="4111920" cy="855360"/>
           </a:xfrm>
           <a:prstGeom prst="rect">
             <a:avLst/>
